--- a/defense.pptx
+++ b/defense.pptx
@@ -4,12 +4,18 @@
   <p:sldMasterIdLst>
     <p:sldMasterId id="2147483660" r:id="rId1"/>
   </p:sldMasterIdLst>
+  <p:notesMasterIdLst>
+    <p:notesMasterId r:id="rId10"/>
+  </p:notesMasterIdLst>
   <p:sldIdLst>
     <p:sldId id="256" r:id="rId2"/>
     <p:sldId id="257" r:id="rId3"/>
     <p:sldId id="258" r:id="rId4"/>
     <p:sldId id="259" r:id="rId5"/>
     <p:sldId id="260" r:id="rId6"/>
+    <p:sldId id="261" r:id="rId7"/>
+    <p:sldId id="262" r:id="rId8"/>
+    <p:sldId id="263" r:id="rId9"/>
   </p:sldIdLst>
   <p:sldSz cx="9144000" cy="6858000" type="screen4x3"/>
   <p:notesSz cx="6858000" cy="9144000"/>
@@ -109,6 +115,2989 @@
     </a:lvl9pPr>
   </p:defaultTextStyle>
 </p:presentation>
+</file>
+
+<file path=ppt/diagrams/colors1.xml><?xml version="1.0" encoding="utf-8"?>
+<dgm:colorsDef xmlns:dgm="http://schemas.openxmlformats.org/drawingml/2006/diagram" xmlns:a="http://schemas.openxmlformats.org/drawingml/2006/main" uniqueId="urn:microsoft.com/office/officeart/2005/8/colors/accent1_2">
+  <dgm:title val=""/>
+  <dgm:desc val=""/>
+  <dgm:catLst>
+    <dgm:cat type="accent1" pri="11200"/>
+  </dgm:catLst>
+  <dgm:styleLbl name="node0">
+    <dgm:fillClrLst meth="repeat">
+      <a:schemeClr val="accent1"/>
+    </dgm:fillClrLst>
+    <dgm:linClrLst meth="repeat">
+      <a:schemeClr val="lt1"/>
+    </dgm:linClrLst>
+    <dgm:effectClrLst/>
+    <dgm:txLinClrLst/>
+    <dgm:txFillClrLst/>
+    <dgm:txEffectClrLst/>
+  </dgm:styleLbl>
+  <dgm:styleLbl name="alignNode1">
+    <dgm:fillClrLst meth="repeat">
+      <a:schemeClr val="accent1"/>
+    </dgm:fillClrLst>
+    <dgm:linClrLst meth="repeat">
+      <a:schemeClr val="accent1"/>
+    </dgm:linClrLst>
+    <dgm:effectClrLst/>
+    <dgm:txLinClrLst/>
+    <dgm:txFillClrLst/>
+    <dgm:txEffectClrLst/>
+  </dgm:styleLbl>
+  <dgm:styleLbl name="node1">
+    <dgm:fillClrLst meth="repeat">
+      <a:schemeClr val="accent1"/>
+    </dgm:fillClrLst>
+    <dgm:linClrLst meth="repeat">
+      <a:schemeClr val="lt1"/>
+    </dgm:linClrLst>
+    <dgm:effectClrLst/>
+    <dgm:txLinClrLst/>
+    <dgm:txFillClrLst/>
+    <dgm:txEffectClrLst/>
+  </dgm:styleLbl>
+  <dgm:styleLbl name="lnNode1">
+    <dgm:fillClrLst meth="repeat">
+      <a:schemeClr val="accent1"/>
+    </dgm:fillClrLst>
+    <dgm:linClrLst meth="repeat">
+      <a:schemeClr val="lt1"/>
+    </dgm:linClrLst>
+    <dgm:effectClrLst/>
+    <dgm:txLinClrLst/>
+    <dgm:txFillClrLst/>
+    <dgm:txEffectClrLst/>
+  </dgm:styleLbl>
+  <dgm:styleLbl name="vennNode1">
+    <dgm:fillClrLst meth="repeat">
+      <a:schemeClr val="accent1">
+        <a:alpha val="50000"/>
+      </a:schemeClr>
+    </dgm:fillClrLst>
+    <dgm:linClrLst meth="repeat">
+      <a:schemeClr val="lt1"/>
+    </dgm:linClrLst>
+    <dgm:effectClrLst/>
+    <dgm:txLinClrLst/>
+    <dgm:txFillClrLst/>
+    <dgm:txEffectClrLst/>
+  </dgm:styleLbl>
+  <dgm:styleLbl name="node2">
+    <dgm:fillClrLst meth="repeat">
+      <a:schemeClr val="accent1"/>
+    </dgm:fillClrLst>
+    <dgm:linClrLst meth="repeat">
+      <a:schemeClr val="lt1"/>
+    </dgm:linClrLst>
+    <dgm:effectClrLst/>
+    <dgm:txLinClrLst/>
+    <dgm:txFillClrLst/>
+    <dgm:txEffectClrLst/>
+  </dgm:styleLbl>
+  <dgm:styleLbl name="node3">
+    <dgm:fillClrLst meth="repeat">
+      <a:schemeClr val="accent1"/>
+    </dgm:fillClrLst>
+    <dgm:linClrLst meth="repeat">
+      <a:schemeClr val="lt1"/>
+    </dgm:linClrLst>
+    <dgm:effectClrLst/>
+    <dgm:txLinClrLst/>
+    <dgm:txFillClrLst/>
+    <dgm:txEffectClrLst/>
+  </dgm:styleLbl>
+  <dgm:styleLbl name="node4">
+    <dgm:fillClrLst meth="repeat">
+      <a:schemeClr val="accent1"/>
+    </dgm:fillClrLst>
+    <dgm:linClrLst meth="repeat">
+      <a:schemeClr val="lt1"/>
+    </dgm:linClrLst>
+    <dgm:effectClrLst/>
+    <dgm:txLinClrLst/>
+    <dgm:txFillClrLst/>
+    <dgm:txEffectClrLst/>
+  </dgm:styleLbl>
+  <dgm:styleLbl name="fgImgPlace1">
+    <dgm:fillClrLst meth="repeat">
+      <a:schemeClr val="accent1">
+        <a:tint val="50000"/>
+      </a:schemeClr>
+    </dgm:fillClrLst>
+    <dgm:linClrLst meth="repeat">
+      <a:schemeClr val="lt1"/>
+    </dgm:linClrLst>
+    <dgm:effectClrLst/>
+    <dgm:txLinClrLst/>
+    <dgm:txFillClrLst meth="repeat">
+      <a:schemeClr val="lt1"/>
+    </dgm:txFillClrLst>
+    <dgm:txEffectClrLst/>
+  </dgm:styleLbl>
+  <dgm:styleLbl name="alignImgPlace1">
+    <dgm:fillClrLst meth="repeat">
+      <a:schemeClr val="accent1">
+        <a:tint val="50000"/>
+      </a:schemeClr>
+    </dgm:fillClrLst>
+    <dgm:linClrLst meth="repeat">
+      <a:schemeClr val="lt1"/>
+    </dgm:linClrLst>
+    <dgm:effectClrLst/>
+    <dgm:txLinClrLst/>
+    <dgm:txFillClrLst meth="repeat">
+      <a:schemeClr val="lt1"/>
+    </dgm:txFillClrLst>
+    <dgm:txEffectClrLst/>
+  </dgm:styleLbl>
+  <dgm:styleLbl name="bgImgPlace1">
+    <dgm:fillClrLst meth="repeat">
+      <a:schemeClr val="accent1">
+        <a:tint val="50000"/>
+      </a:schemeClr>
+    </dgm:fillClrLst>
+    <dgm:linClrLst meth="repeat">
+      <a:schemeClr val="lt1"/>
+    </dgm:linClrLst>
+    <dgm:effectClrLst/>
+    <dgm:txLinClrLst/>
+    <dgm:txFillClrLst meth="repeat">
+      <a:schemeClr val="lt1"/>
+    </dgm:txFillClrLst>
+    <dgm:txEffectClrLst/>
+  </dgm:styleLbl>
+  <dgm:styleLbl name="sibTrans2D1">
+    <dgm:fillClrLst meth="repeat">
+      <a:schemeClr val="accent1">
+        <a:tint val="60000"/>
+      </a:schemeClr>
+    </dgm:fillClrLst>
+    <dgm:linClrLst meth="repeat">
+      <a:schemeClr val="accent1">
+        <a:tint val="60000"/>
+      </a:schemeClr>
+    </dgm:linClrLst>
+    <dgm:effectClrLst/>
+    <dgm:txLinClrLst/>
+    <dgm:txFillClrLst/>
+    <dgm:txEffectClrLst/>
+  </dgm:styleLbl>
+  <dgm:styleLbl name="fgSibTrans2D1">
+    <dgm:fillClrLst meth="repeat">
+      <a:schemeClr val="accent1">
+        <a:tint val="60000"/>
+      </a:schemeClr>
+    </dgm:fillClrLst>
+    <dgm:linClrLst meth="repeat">
+      <a:schemeClr val="accent1">
+        <a:tint val="60000"/>
+      </a:schemeClr>
+    </dgm:linClrLst>
+    <dgm:effectClrLst/>
+    <dgm:txLinClrLst/>
+    <dgm:txFillClrLst/>
+    <dgm:txEffectClrLst/>
+  </dgm:styleLbl>
+  <dgm:styleLbl name="bgSibTrans2D1">
+    <dgm:fillClrLst meth="repeat">
+      <a:schemeClr val="accent1">
+        <a:tint val="60000"/>
+      </a:schemeClr>
+    </dgm:fillClrLst>
+    <dgm:linClrLst meth="repeat">
+      <a:schemeClr val="accent1">
+        <a:tint val="60000"/>
+      </a:schemeClr>
+    </dgm:linClrLst>
+    <dgm:effectClrLst/>
+    <dgm:txLinClrLst/>
+    <dgm:txFillClrLst/>
+    <dgm:txEffectClrLst/>
+  </dgm:styleLbl>
+  <dgm:styleLbl name="sibTrans1D1">
+    <dgm:fillClrLst meth="repeat">
+      <a:schemeClr val="accent1"/>
+    </dgm:fillClrLst>
+    <dgm:linClrLst meth="repeat">
+      <a:schemeClr val="accent1"/>
+    </dgm:linClrLst>
+    <dgm:effectClrLst/>
+    <dgm:txLinClrLst/>
+    <dgm:txFillClrLst meth="repeat">
+      <a:schemeClr val="tx1"/>
+    </dgm:txFillClrLst>
+    <dgm:txEffectClrLst/>
+  </dgm:styleLbl>
+  <dgm:styleLbl name="callout">
+    <dgm:fillClrLst meth="repeat">
+      <a:schemeClr val="accent1"/>
+    </dgm:fillClrLst>
+    <dgm:linClrLst meth="repeat">
+      <a:schemeClr val="accent1">
+        <a:tint val="50000"/>
+      </a:schemeClr>
+    </dgm:linClrLst>
+    <dgm:effectClrLst/>
+    <dgm:txLinClrLst/>
+    <dgm:txFillClrLst meth="repeat">
+      <a:schemeClr val="tx1"/>
+    </dgm:txFillClrLst>
+    <dgm:txEffectClrLst/>
+  </dgm:styleLbl>
+  <dgm:styleLbl name="asst0">
+    <dgm:fillClrLst meth="repeat">
+      <a:schemeClr val="accent1"/>
+    </dgm:fillClrLst>
+    <dgm:linClrLst meth="repeat">
+      <a:schemeClr val="lt1"/>
+    </dgm:linClrLst>
+    <dgm:effectClrLst/>
+    <dgm:txLinClrLst/>
+    <dgm:txFillClrLst/>
+    <dgm:txEffectClrLst/>
+  </dgm:styleLbl>
+  <dgm:styleLbl name="asst1">
+    <dgm:fillClrLst meth="repeat">
+      <a:schemeClr val="accent1"/>
+    </dgm:fillClrLst>
+    <dgm:linClrLst meth="repeat">
+      <a:schemeClr val="lt1"/>
+    </dgm:linClrLst>
+    <dgm:effectClrLst/>
+    <dgm:txLinClrLst/>
+    <dgm:txFillClrLst/>
+    <dgm:txEffectClrLst/>
+  </dgm:styleLbl>
+  <dgm:styleLbl name="asst2">
+    <dgm:fillClrLst meth="repeat">
+      <a:schemeClr val="accent1"/>
+    </dgm:fillClrLst>
+    <dgm:linClrLst meth="repeat">
+      <a:schemeClr val="lt1"/>
+    </dgm:linClrLst>
+    <dgm:effectClrLst/>
+    <dgm:txLinClrLst/>
+    <dgm:txFillClrLst/>
+    <dgm:txEffectClrLst/>
+  </dgm:styleLbl>
+  <dgm:styleLbl name="asst3">
+    <dgm:fillClrLst meth="repeat">
+      <a:schemeClr val="accent1"/>
+    </dgm:fillClrLst>
+    <dgm:linClrLst meth="repeat">
+      <a:schemeClr val="lt1"/>
+    </dgm:linClrLst>
+    <dgm:effectClrLst/>
+    <dgm:txLinClrLst/>
+    <dgm:txFillClrLst/>
+    <dgm:txEffectClrLst/>
+  </dgm:styleLbl>
+  <dgm:styleLbl name="asst4">
+    <dgm:fillClrLst meth="repeat">
+      <a:schemeClr val="accent1"/>
+    </dgm:fillClrLst>
+    <dgm:linClrLst meth="repeat">
+      <a:schemeClr val="lt1"/>
+    </dgm:linClrLst>
+    <dgm:effectClrLst/>
+    <dgm:txLinClrLst/>
+    <dgm:txFillClrLst/>
+    <dgm:txEffectClrLst/>
+  </dgm:styleLbl>
+  <dgm:styleLbl name="parChTrans2D1">
+    <dgm:fillClrLst meth="repeat">
+      <a:schemeClr val="accent1">
+        <a:tint val="60000"/>
+      </a:schemeClr>
+    </dgm:fillClrLst>
+    <dgm:linClrLst meth="repeat">
+      <a:schemeClr val="accent1">
+        <a:tint val="60000"/>
+      </a:schemeClr>
+    </dgm:linClrLst>
+    <dgm:effectClrLst/>
+    <dgm:txLinClrLst/>
+    <dgm:txFillClrLst meth="repeat">
+      <a:schemeClr val="lt1"/>
+    </dgm:txFillClrLst>
+    <dgm:txEffectClrLst/>
+  </dgm:styleLbl>
+  <dgm:styleLbl name="parChTrans2D2">
+    <dgm:fillClrLst meth="repeat">
+      <a:schemeClr val="accent1"/>
+    </dgm:fillClrLst>
+    <dgm:linClrLst meth="repeat">
+      <a:schemeClr val="accent1"/>
+    </dgm:linClrLst>
+    <dgm:effectClrLst/>
+    <dgm:txLinClrLst/>
+    <dgm:txFillClrLst meth="repeat">
+      <a:schemeClr val="lt1"/>
+    </dgm:txFillClrLst>
+    <dgm:txEffectClrLst/>
+  </dgm:styleLbl>
+  <dgm:styleLbl name="parChTrans2D3">
+    <dgm:fillClrLst meth="repeat">
+      <a:schemeClr val="accent1"/>
+    </dgm:fillClrLst>
+    <dgm:linClrLst meth="repeat">
+      <a:schemeClr val="accent1"/>
+    </dgm:linClrLst>
+    <dgm:effectClrLst/>
+    <dgm:txLinClrLst/>
+    <dgm:txFillClrLst meth="repeat">
+      <a:schemeClr val="lt1"/>
+    </dgm:txFillClrLst>
+    <dgm:txEffectClrLst/>
+  </dgm:styleLbl>
+  <dgm:styleLbl name="parChTrans2D4">
+    <dgm:fillClrLst meth="repeat">
+      <a:schemeClr val="accent1"/>
+    </dgm:fillClrLst>
+    <dgm:linClrLst meth="repeat">
+      <a:schemeClr val="accent1"/>
+    </dgm:linClrLst>
+    <dgm:effectClrLst/>
+    <dgm:txLinClrLst/>
+    <dgm:txFillClrLst meth="repeat">
+      <a:schemeClr val="lt1"/>
+    </dgm:txFillClrLst>
+    <dgm:txEffectClrLst/>
+  </dgm:styleLbl>
+  <dgm:styleLbl name="parChTrans1D1">
+    <dgm:fillClrLst meth="repeat">
+      <a:schemeClr val="accent1"/>
+    </dgm:fillClrLst>
+    <dgm:linClrLst meth="repeat">
+      <a:schemeClr val="accent1">
+        <a:shade val="60000"/>
+      </a:schemeClr>
+    </dgm:linClrLst>
+    <dgm:effectClrLst/>
+    <dgm:txLinClrLst/>
+    <dgm:txFillClrLst meth="repeat">
+      <a:schemeClr val="tx1"/>
+    </dgm:txFillClrLst>
+    <dgm:txEffectClrLst/>
+  </dgm:styleLbl>
+  <dgm:styleLbl name="parChTrans1D2">
+    <dgm:fillClrLst meth="repeat">
+      <a:schemeClr val="accent1"/>
+    </dgm:fillClrLst>
+    <dgm:linClrLst meth="repeat">
+      <a:schemeClr val="accent1">
+        <a:shade val="60000"/>
+      </a:schemeClr>
+    </dgm:linClrLst>
+    <dgm:effectClrLst/>
+    <dgm:txLinClrLst/>
+    <dgm:txFillClrLst meth="repeat">
+      <a:schemeClr val="tx1"/>
+    </dgm:txFillClrLst>
+    <dgm:txEffectClrLst/>
+  </dgm:styleLbl>
+  <dgm:styleLbl name="parChTrans1D3">
+    <dgm:fillClrLst meth="repeat">
+      <a:schemeClr val="accent1"/>
+    </dgm:fillClrLst>
+    <dgm:linClrLst meth="repeat">
+      <a:schemeClr val="accent1">
+        <a:shade val="80000"/>
+      </a:schemeClr>
+    </dgm:linClrLst>
+    <dgm:effectClrLst/>
+    <dgm:txLinClrLst/>
+    <dgm:txFillClrLst meth="repeat">
+      <a:schemeClr val="tx1"/>
+    </dgm:txFillClrLst>
+    <dgm:txEffectClrLst/>
+  </dgm:styleLbl>
+  <dgm:styleLbl name="parChTrans1D4">
+    <dgm:fillClrLst meth="repeat">
+      <a:schemeClr val="accent1"/>
+    </dgm:fillClrLst>
+    <dgm:linClrLst meth="repeat">
+      <a:schemeClr val="accent1">
+        <a:shade val="80000"/>
+      </a:schemeClr>
+    </dgm:linClrLst>
+    <dgm:effectClrLst/>
+    <dgm:txLinClrLst/>
+    <dgm:txFillClrLst meth="repeat">
+      <a:schemeClr val="tx1"/>
+    </dgm:txFillClrLst>
+    <dgm:txEffectClrLst/>
+  </dgm:styleLbl>
+  <dgm:styleLbl name="fgAcc1">
+    <dgm:fillClrLst meth="repeat">
+      <a:schemeClr val="lt1">
+        <a:alpha val="90000"/>
+      </a:schemeClr>
+    </dgm:fillClrLst>
+    <dgm:linClrLst meth="repeat">
+      <a:schemeClr val="accent1"/>
+    </dgm:linClrLst>
+    <dgm:effectClrLst/>
+    <dgm:txLinClrLst/>
+    <dgm:txFillClrLst meth="repeat">
+      <a:schemeClr val="dk1"/>
+    </dgm:txFillClrLst>
+    <dgm:txEffectClrLst/>
+  </dgm:styleLbl>
+  <dgm:styleLbl name="conFgAcc1">
+    <dgm:fillClrLst meth="repeat">
+      <a:schemeClr val="lt1">
+        <a:alpha val="90000"/>
+      </a:schemeClr>
+    </dgm:fillClrLst>
+    <dgm:linClrLst meth="repeat">
+      <a:schemeClr val="accent1"/>
+    </dgm:linClrLst>
+    <dgm:effectClrLst/>
+    <dgm:txLinClrLst/>
+    <dgm:txFillClrLst meth="repeat">
+      <a:schemeClr val="dk1"/>
+    </dgm:txFillClrLst>
+    <dgm:txEffectClrLst/>
+  </dgm:styleLbl>
+  <dgm:styleLbl name="alignAcc1">
+    <dgm:fillClrLst meth="repeat">
+      <a:schemeClr val="lt1">
+        <a:alpha val="90000"/>
+      </a:schemeClr>
+    </dgm:fillClrLst>
+    <dgm:linClrLst meth="repeat">
+      <a:schemeClr val="accent1"/>
+    </dgm:linClrLst>
+    <dgm:effectClrLst/>
+    <dgm:txLinClrLst/>
+    <dgm:txFillClrLst meth="repeat">
+      <a:schemeClr val="dk1"/>
+    </dgm:txFillClrLst>
+    <dgm:txEffectClrLst/>
+  </dgm:styleLbl>
+  <dgm:styleLbl name="trAlignAcc1">
+    <dgm:fillClrLst meth="repeat">
+      <a:schemeClr val="lt1">
+        <a:alpha val="40000"/>
+      </a:schemeClr>
+    </dgm:fillClrLst>
+    <dgm:linClrLst meth="repeat">
+      <a:schemeClr val="accent1"/>
+    </dgm:linClrLst>
+    <dgm:effectClrLst/>
+    <dgm:txLinClrLst/>
+    <dgm:txFillClrLst meth="repeat">
+      <a:schemeClr val="dk1"/>
+    </dgm:txFillClrLst>
+    <dgm:txEffectClrLst/>
+  </dgm:styleLbl>
+  <dgm:styleLbl name="bgAcc1">
+    <dgm:fillClrLst meth="repeat">
+      <a:schemeClr val="lt1">
+        <a:alpha val="90000"/>
+      </a:schemeClr>
+    </dgm:fillClrLst>
+    <dgm:linClrLst meth="repeat">
+      <a:schemeClr val="accent1"/>
+    </dgm:linClrLst>
+    <dgm:effectClrLst/>
+    <dgm:txLinClrLst/>
+    <dgm:txFillClrLst meth="repeat">
+      <a:schemeClr val="dk1"/>
+    </dgm:txFillClrLst>
+    <dgm:txEffectClrLst/>
+  </dgm:styleLbl>
+  <dgm:styleLbl name="solidFgAcc1">
+    <dgm:fillClrLst meth="repeat">
+      <a:schemeClr val="lt1"/>
+    </dgm:fillClrLst>
+    <dgm:linClrLst meth="repeat">
+      <a:schemeClr val="accent1"/>
+    </dgm:linClrLst>
+    <dgm:effectClrLst/>
+    <dgm:txLinClrLst/>
+    <dgm:txFillClrLst meth="repeat">
+      <a:schemeClr val="dk1"/>
+    </dgm:txFillClrLst>
+    <dgm:txEffectClrLst/>
+  </dgm:styleLbl>
+  <dgm:styleLbl name="solidAlignAcc1">
+    <dgm:fillClrLst meth="repeat">
+      <a:schemeClr val="lt1"/>
+    </dgm:fillClrLst>
+    <dgm:linClrLst meth="repeat">
+      <a:schemeClr val="accent1"/>
+    </dgm:linClrLst>
+    <dgm:effectClrLst/>
+    <dgm:txLinClrLst/>
+    <dgm:txFillClrLst meth="repeat">
+      <a:schemeClr val="dk1"/>
+    </dgm:txFillClrLst>
+    <dgm:txEffectClrLst/>
+  </dgm:styleLbl>
+  <dgm:styleLbl name="solidBgAcc1">
+    <dgm:fillClrLst meth="repeat">
+      <a:schemeClr val="lt1"/>
+    </dgm:fillClrLst>
+    <dgm:linClrLst meth="repeat">
+      <a:schemeClr val="accent1"/>
+    </dgm:linClrLst>
+    <dgm:effectClrLst/>
+    <dgm:txLinClrLst/>
+    <dgm:txFillClrLst meth="repeat">
+      <a:schemeClr val="dk1"/>
+    </dgm:txFillClrLst>
+    <dgm:txEffectClrLst/>
+  </dgm:styleLbl>
+  <dgm:styleLbl name="fgAccFollowNode1">
+    <dgm:fillClrLst meth="repeat">
+      <a:schemeClr val="accent1">
+        <a:alpha val="90000"/>
+        <a:tint val="40000"/>
+      </a:schemeClr>
+    </dgm:fillClrLst>
+    <dgm:linClrLst meth="repeat">
+      <a:schemeClr val="accent1">
+        <a:alpha val="90000"/>
+        <a:tint val="40000"/>
+      </a:schemeClr>
+    </dgm:linClrLst>
+    <dgm:effectClrLst/>
+    <dgm:txLinClrLst/>
+    <dgm:txFillClrLst meth="repeat">
+      <a:schemeClr val="dk1"/>
+    </dgm:txFillClrLst>
+    <dgm:txEffectClrLst/>
+  </dgm:styleLbl>
+  <dgm:styleLbl name="alignAccFollowNode1">
+    <dgm:fillClrLst meth="repeat">
+      <a:schemeClr val="accent1">
+        <a:alpha val="90000"/>
+        <a:tint val="40000"/>
+      </a:schemeClr>
+    </dgm:fillClrLst>
+    <dgm:linClrLst meth="repeat">
+      <a:schemeClr val="accent1">
+        <a:alpha val="90000"/>
+        <a:tint val="40000"/>
+      </a:schemeClr>
+    </dgm:linClrLst>
+    <dgm:effectClrLst/>
+    <dgm:txLinClrLst/>
+    <dgm:txFillClrLst meth="repeat">
+      <a:schemeClr val="dk1"/>
+    </dgm:txFillClrLst>
+    <dgm:txEffectClrLst/>
+  </dgm:styleLbl>
+  <dgm:styleLbl name="bgAccFollowNode1">
+    <dgm:fillClrLst meth="repeat">
+      <a:schemeClr val="accent1">
+        <a:alpha val="90000"/>
+        <a:tint val="40000"/>
+      </a:schemeClr>
+    </dgm:fillClrLst>
+    <dgm:linClrLst meth="repeat">
+      <a:schemeClr val="accent1">
+        <a:alpha val="90000"/>
+        <a:tint val="40000"/>
+      </a:schemeClr>
+    </dgm:linClrLst>
+    <dgm:effectClrLst/>
+    <dgm:txLinClrLst/>
+    <dgm:txFillClrLst meth="repeat">
+      <a:schemeClr val="dk1"/>
+    </dgm:txFillClrLst>
+    <dgm:txEffectClrLst/>
+  </dgm:styleLbl>
+  <dgm:styleLbl name="fgAcc0">
+    <dgm:fillClrLst meth="repeat">
+      <a:schemeClr val="lt1">
+        <a:alpha val="90000"/>
+      </a:schemeClr>
+    </dgm:fillClrLst>
+    <dgm:linClrLst meth="repeat">
+      <a:schemeClr val="accent1"/>
+    </dgm:linClrLst>
+    <dgm:effectClrLst/>
+    <dgm:txLinClrLst/>
+    <dgm:txFillClrLst meth="repeat">
+      <a:schemeClr val="dk1"/>
+    </dgm:txFillClrLst>
+    <dgm:txEffectClrLst/>
+  </dgm:styleLbl>
+  <dgm:styleLbl name="fgAcc2">
+    <dgm:fillClrLst meth="repeat">
+      <a:schemeClr val="lt1">
+        <a:alpha val="90000"/>
+      </a:schemeClr>
+    </dgm:fillClrLst>
+    <dgm:linClrLst meth="repeat">
+      <a:schemeClr val="accent1"/>
+    </dgm:linClrLst>
+    <dgm:effectClrLst/>
+    <dgm:txLinClrLst/>
+    <dgm:txFillClrLst meth="repeat">
+      <a:schemeClr val="dk1"/>
+    </dgm:txFillClrLst>
+    <dgm:txEffectClrLst/>
+  </dgm:styleLbl>
+  <dgm:styleLbl name="fgAcc3">
+    <dgm:fillClrLst meth="repeat">
+      <a:schemeClr val="lt1">
+        <a:alpha val="90000"/>
+      </a:schemeClr>
+    </dgm:fillClrLst>
+    <dgm:linClrLst meth="repeat">
+      <a:schemeClr val="accent1"/>
+    </dgm:linClrLst>
+    <dgm:effectClrLst/>
+    <dgm:txLinClrLst/>
+    <dgm:txFillClrLst meth="repeat">
+      <a:schemeClr val="dk1"/>
+    </dgm:txFillClrLst>
+    <dgm:txEffectClrLst/>
+  </dgm:styleLbl>
+  <dgm:styleLbl name="fgAcc4">
+    <dgm:fillClrLst meth="repeat">
+      <a:schemeClr val="lt1">
+        <a:alpha val="90000"/>
+      </a:schemeClr>
+    </dgm:fillClrLst>
+    <dgm:linClrLst meth="repeat">
+      <a:schemeClr val="accent1"/>
+    </dgm:linClrLst>
+    <dgm:effectClrLst/>
+    <dgm:txLinClrLst/>
+    <dgm:txFillClrLst meth="repeat">
+      <a:schemeClr val="dk1"/>
+    </dgm:txFillClrLst>
+    <dgm:txEffectClrLst/>
+  </dgm:styleLbl>
+  <dgm:styleLbl name="bgShp">
+    <dgm:fillClrLst meth="repeat">
+      <a:schemeClr val="accent1">
+        <a:tint val="40000"/>
+      </a:schemeClr>
+    </dgm:fillClrLst>
+    <dgm:linClrLst meth="repeat">
+      <a:schemeClr val="accent1"/>
+    </dgm:linClrLst>
+    <dgm:effectClrLst/>
+    <dgm:txLinClrLst/>
+    <dgm:txFillClrLst meth="repeat">
+      <a:schemeClr val="dk1"/>
+    </dgm:txFillClrLst>
+    <dgm:txEffectClrLst/>
+  </dgm:styleLbl>
+  <dgm:styleLbl name="dkBgShp">
+    <dgm:fillClrLst meth="repeat">
+      <a:schemeClr val="accent1">
+        <a:shade val="80000"/>
+      </a:schemeClr>
+    </dgm:fillClrLst>
+    <dgm:linClrLst meth="repeat">
+      <a:schemeClr val="accent1"/>
+    </dgm:linClrLst>
+    <dgm:effectClrLst/>
+    <dgm:txLinClrLst/>
+    <dgm:txFillClrLst meth="repeat">
+      <a:schemeClr val="lt1"/>
+    </dgm:txFillClrLst>
+    <dgm:txEffectClrLst/>
+  </dgm:styleLbl>
+  <dgm:styleLbl name="trBgShp">
+    <dgm:fillClrLst meth="repeat">
+      <a:schemeClr val="accent1">
+        <a:tint val="50000"/>
+        <a:alpha val="40000"/>
+      </a:schemeClr>
+    </dgm:fillClrLst>
+    <dgm:linClrLst meth="repeat">
+      <a:schemeClr val="accent1"/>
+    </dgm:linClrLst>
+    <dgm:effectClrLst/>
+    <dgm:txLinClrLst/>
+    <dgm:txFillClrLst meth="repeat">
+      <a:schemeClr val="lt1"/>
+    </dgm:txFillClrLst>
+    <dgm:txEffectClrLst/>
+  </dgm:styleLbl>
+  <dgm:styleLbl name="fgShp">
+    <dgm:fillClrLst meth="repeat">
+      <a:schemeClr val="accent1">
+        <a:tint val="60000"/>
+      </a:schemeClr>
+    </dgm:fillClrLst>
+    <dgm:linClrLst meth="repeat">
+      <a:schemeClr val="lt1"/>
+    </dgm:linClrLst>
+    <dgm:effectClrLst/>
+    <dgm:txLinClrLst/>
+    <dgm:txFillClrLst meth="repeat">
+      <a:schemeClr val="dk1"/>
+    </dgm:txFillClrLst>
+    <dgm:txEffectClrLst/>
+  </dgm:styleLbl>
+  <dgm:styleLbl name="revTx">
+    <dgm:fillClrLst meth="repeat">
+      <a:schemeClr val="lt1">
+        <a:alpha val="0"/>
+      </a:schemeClr>
+    </dgm:fillClrLst>
+    <dgm:linClrLst meth="repeat">
+      <a:schemeClr val="dk1">
+        <a:alpha val="0"/>
+      </a:schemeClr>
+    </dgm:linClrLst>
+    <dgm:effectClrLst/>
+    <dgm:txLinClrLst/>
+    <dgm:txFillClrLst meth="repeat">
+      <a:schemeClr val="tx1"/>
+    </dgm:txFillClrLst>
+    <dgm:txEffectClrLst/>
+  </dgm:styleLbl>
+</dgm:colorsDef>
+</file>
+
+<file path=ppt/diagrams/data1.xml><?xml version="1.0" encoding="utf-8"?>
+<dgm:dataModel xmlns:dgm="http://schemas.openxmlformats.org/drawingml/2006/diagram" xmlns:a="http://schemas.openxmlformats.org/drawingml/2006/main">
+  <dgm:ptLst>
+    <dgm:pt modelId="{44047228-C304-A34D-A327-46BC1188DA9D}" type="doc">
+      <dgm:prSet loTypeId="urn:microsoft.com/office/officeart/2005/8/layout/process4" loCatId="process" qsTypeId="urn:microsoft.com/office/officeart/2005/8/quickstyle/3D4" qsCatId="3D" csTypeId="urn:microsoft.com/office/officeart/2005/8/colors/accent1_2" csCatId="accent1" phldr="1"/>
+      <dgm:spPr/>
+    </dgm:pt>
+    <dgm:pt modelId="{CE181FB3-0A42-2640-8BF0-2314C283A7F2}">
+      <dgm:prSet phldrT="[Text]"/>
+      <dgm:spPr/>
+      <dgm:t>
+        <a:bodyPr/>
+        <a:lstStyle/>
+        <a:p>
+          <a:r>
+            <a:rPr lang="en-US" dirty="0" smtClean="0"/>
+            <a:t>Quantum field theory </a:t>
+          </a:r>
+        </a:p>
+        <a:p>
+          <a:r>
+            <a:rPr lang="en-US" dirty="0" smtClean="0"/>
+            <a:t>for both atoms and light</a:t>
+          </a:r>
+          <a:endParaRPr lang="en-US" dirty="0"/>
+        </a:p>
+      </dgm:t>
+    </dgm:pt>
+    <dgm:pt modelId="{DE75E6EC-E03B-CB40-8A37-D5F5B29A43B2}" type="parTrans" cxnId="{491FF397-7943-A047-B9B4-64508581614D}">
+      <dgm:prSet/>
+      <dgm:spPr/>
+      <dgm:t>
+        <a:bodyPr/>
+        <a:lstStyle/>
+        <a:p>
+          <a:endParaRPr lang="en-US"/>
+        </a:p>
+      </dgm:t>
+    </dgm:pt>
+    <dgm:pt modelId="{C33EA835-F57D-D04A-A8A1-01AFDF6AD49B}" type="sibTrans" cxnId="{491FF397-7943-A047-B9B4-64508581614D}">
+      <dgm:prSet/>
+      <dgm:spPr/>
+      <dgm:t>
+        <a:bodyPr/>
+        <a:lstStyle/>
+        <a:p>
+          <a:endParaRPr lang="en-US"/>
+        </a:p>
+      </dgm:t>
+    </dgm:pt>
+    <dgm:pt modelId="{19821B9E-3B1C-7445-A5DF-D7B05394598F}">
+      <dgm:prSet phldrT="[Text]"/>
+      <dgm:spPr/>
+      <dgm:t>
+        <a:bodyPr/>
+        <a:lstStyle/>
+        <a:p>
+          <a:r>
+            <a:rPr lang="en-US" dirty="0" smtClean="0"/>
+            <a:t>Numerical simulations </a:t>
+          </a:r>
+        </a:p>
+        <a:p>
+          <a:r>
+            <a:rPr lang="en-US" dirty="0" smtClean="0"/>
+            <a:t>of classical light and dipoles</a:t>
+          </a:r>
+          <a:endParaRPr lang="en-US" dirty="0"/>
+        </a:p>
+      </dgm:t>
+    </dgm:pt>
+    <dgm:pt modelId="{21528903-548F-844A-9A11-9E004B304DF9}" type="parTrans" cxnId="{1D3828C2-07A7-714E-A151-57AD67B993E8}">
+      <dgm:prSet/>
+      <dgm:spPr/>
+      <dgm:t>
+        <a:bodyPr/>
+        <a:lstStyle/>
+        <a:p>
+          <a:endParaRPr lang="en-US"/>
+        </a:p>
+      </dgm:t>
+    </dgm:pt>
+    <dgm:pt modelId="{FF8227ED-2438-8249-BAD4-7B44A356B8B9}" type="sibTrans" cxnId="{1D3828C2-07A7-714E-A151-57AD67B993E8}">
+      <dgm:prSet/>
+      <dgm:spPr/>
+      <dgm:t>
+        <a:bodyPr/>
+        <a:lstStyle/>
+        <a:p>
+          <a:endParaRPr lang="en-US"/>
+        </a:p>
+      </dgm:t>
+    </dgm:pt>
+    <dgm:pt modelId="{E95C2BD7-C089-1A46-868C-198330F1C87C}" type="pres">
+      <dgm:prSet presAssocID="{44047228-C304-A34D-A327-46BC1188DA9D}" presName="Name0" presStyleCnt="0">
+        <dgm:presLayoutVars>
+          <dgm:dir/>
+          <dgm:animLvl val="lvl"/>
+          <dgm:resizeHandles val="exact"/>
+        </dgm:presLayoutVars>
+      </dgm:prSet>
+      <dgm:spPr/>
+    </dgm:pt>
+    <dgm:pt modelId="{7C4F6A6B-9578-A546-8A8C-E0FA4A6A28C2}" type="pres">
+      <dgm:prSet presAssocID="{19821B9E-3B1C-7445-A5DF-D7B05394598F}" presName="boxAndChildren" presStyleCnt="0"/>
+      <dgm:spPr/>
+    </dgm:pt>
+    <dgm:pt modelId="{ADA66870-314A-A14D-A778-C0D44255A9D0}" type="pres">
+      <dgm:prSet presAssocID="{19821B9E-3B1C-7445-A5DF-D7B05394598F}" presName="parentTextBox" presStyleLbl="node1" presStyleIdx="0" presStyleCnt="2" custLinFactNeighborY="50114"/>
+      <dgm:spPr/>
+    </dgm:pt>
+    <dgm:pt modelId="{0F2B2639-D868-D34A-910A-B8245BC69B15}" type="pres">
+      <dgm:prSet presAssocID="{C33EA835-F57D-D04A-A8A1-01AFDF6AD49B}" presName="sp" presStyleCnt="0"/>
+      <dgm:spPr/>
+    </dgm:pt>
+    <dgm:pt modelId="{FC7815E7-FDA2-A841-BC21-A95C09FDCE12}" type="pres">
+      <dgm:prSet presAssocID="{CE181FB3-0A42-2640-8BF0-2314C283A7F2}" presName="arrowAndChildren" presStyleCnt="0"/>
+      <dgm:spPr/>
+    </dgm:pt>
+    <dgm:pt modelId="{C1302D0F-1727-CD45-A434-3F3876CFDB15}" type="pres">
+      <dgm:prSet presAssocID="{CE181FB3-0A42-2640-8BF0-2314C283A7F2}" presName="parentTextArrow" presStyleLbl="node1" presStyleIdx="1" presStyleCnt="2"/>
+      <dgm:spPr/>
+    </dgm:pt>
+  </dgm:ptLst>
+  <dgm:cxnLst>
+    <dgm:cxn modelId="{18B5DBAC-8B48-D749-9713-C68A0C7E11FD}" type="presOf" srcId="{19821B9E-3B1C-7445-A5DF-D7B05394598F}" destId="{ADA66870-314A-A14D-A778-C0D44255A9D0}" srcOrd="0" destOrd="0" presId="urn:microsoft.com/office/officeart/2005/8/layout/process4"/>
+    <dgm:cxn modelId="{491FF397-7943-A047-B9B4-64508581614D}" srcId="{44047228-C304-A34D-A327-46BC1188DA9D}" destId="{CE181FB3-0A42-2640-8BF0-2314C283A7F2}" srcOrd="0" destOrd="0" parTransId="{DE75E6EC-E03B-CB40-8A37-D5F5B29A43B2}" sibTransId="{C33EA835-F57D-D04A-A8A1-01AFDF6AD49B}"/>
+    <dgm:cxn modelId="{A6E2BB9D-6B8F-4743-AE1B-531F18BDB460}" type="presOf" srcId="{44047228-C304-A34D-A327-46BC1188DA9D}" destId="{E95C2BD7-C089-1A46-868C-198330F1C87C}" srcOrd="0" destOrd="0" presId="urn:microsoft.com/office/officeart/2005/8/layout/process4"/>
+    <dgm:cxn modelId="{1D3828C2-07A7-714E-A151-57AD67B993E8}" srcId="{44047228-C304-A34D-A327-46BC1188DA9D}" destId="{19821B9E-3B1C-7445-A5DF-D7B05394598F}" srcOrd="1" destOrd="0" parTransId="{21528903-548F-844A-9A11-9E004B304DF9}" sibTransId="{FF8227ED-2438-8249-BAD4-7B44A356B8B9}"/>
+    <dgm:cxn modelId="{AD4A607A-B62F-8445-9742-38B031E82301}" type="presOf" srcId="{CE181FB3-0A42-2640-8BF0-2314C283A7F2}" destId="{C1302D0F-1727-CD45-A434-3F3876CFDB15}" srcOrd="0" destOrd="0" presId="urn:microsoft.com/office/officeart/2005/8/layout/process4"/>
+    <dgm:cxn modelId="{FF686724-65B8-8F43-B4EA-87C486B169BD}" type="presParOf" srcId="{E95C2BD7-C089-1A46-868C-198330F1C87C}" destId="{7C4F6A6B-9578-A546-8A8C-E0FA4A6A28C2}" srcOrd="0" destOrd="0" presId="urn:microsoft.com/office/officeart/2005/8/layout/process4"/>
+    <dgm:cxn modelId="{549C4965-74E7-1F44-8016-FA875CE02844}" type="presParOf" srcId="{7C4F6A6B-9578-A546-8A8C-E0FA4A6A28C2}" destId="{ADA66870-314A-A14D-A778-C0D44255A9D0}" srcOrd="0" destOrd="0" presId="urn:microsoft.com/office/officeart/2005/8/layout/process4"/>
+    <dgm:cxn modelId="{EB3B59FB-7E24-AA4C-B0EC-17C42F0F0417}" type="presParOf" srcId="{E95C2BD7-C089-1A46-868C-198330F1C87C}" destId="{0F2B2639-D868-D34A-910A-B8245BC69B15}" srcOrd="1" destOrd="0" presId="urn:microsoft.com/office/officeart/2005/8/layout/process4"/>
+    <dgm:cxn modelId="{B538CC87-E3DE-EC4D-B307-333D041448E5}" type="presParOf" srcId="{E95C2BD7-C089-1A46-868C-198330F1C87C}" destId="{FC7815E7-FDA2-A841-BC21-A95C09FDCE12}" srcOrd="2" destOrd="0" presId="urn:microsoft.com/office/officeart/2005/8/layout/process4"/>
+    <dgm:cxn modelId="{95E4E534-926C-C74D-ACEC-291922125BF5}" type="presParOf" srcId="{FC7815E7-FDA2-A841-BC21-A95C09FDCE12}" destId="{C1302D0F-1727-CD45-A434-3F3876CFDB15}" srcOrd="0" destOrd="0" presId="urn:microsoft.com/office/officeart/2005/8/layout/process4"/>
+  </dgm:cxnLst>
+  <dgm:bg/>
+  <dgm:whole/>
+  <dgm:extLst>
+    <a:ext uri="http://schemas.microsoft.com/office/drawing/2008/diagram">
+      <dsp:dataModelExt xmlns:dsp="http://schemas.microsoft.com/office/drawing/2008/diagram" xmlns="" relId="rId6" minVer="http://schemas.openxmlformats.org/drawingml/2006/diagram"/>
+    </a:ext>
+  </dgm:extLst>
+</dgm:dataModel>
+</file>
+
+<file path=ppt/diagrams/drawing1.xml><?xml version="1.0" encoding="utf-8"?>
+<dsp:drawing xmlns:dgm="http://schemas.openxmlformats.org/drawingml/2006/diagram" xmlns:a="http://schemas.openxmlformats.org/drawingml/2006/main" xmlns:dsp="http://schemas.microsoft.com/office/drawing/2008/diagram">
+  <dsp:spTree>
+    <dsp:nvGrpSpPr>
+      <dsp:cNvPr id="0" name=""/>
+      <dsp:cNvGrpSpPr/>
+    </dsp:nvGrpSpPr>
+    <dsp:grpSpPr/>
+    <dsp:sp modelId="{ADA66870-314A-A14D-A778-C0D44255A9D0}">
+      <dsp:nvSpPr>
+        <dsp:cNvPr id="0" name=""/>
+        <dsp:cNvSpPr/>
+      </dsp:nvSpPr>
+      <dsp:spPr>
+        <a:xfrm>
+          <a:off x="0" y="2045557"/>
+          <a:ext cx="6432558" cy="1341105"/>
+        </a:xfrm>
+        <a:prstGeom prst="rect">
+          <a:avLst/>
+        </a:prstGeom>
+        <a:solidFill>
+          <a:schemeClr val="accent1">
+            <a:hueOff val="0"/>
+            <a:satOff val="0"/>
+            <a:lumOff val="0"/>
+            <a:alphaOff val="0"/>
+          </a:schemeClr>
+        </a:solidFill>
+        <a:ln>
+          <a:noFill/>
+        </a:ln>
+        <a:effectLst/>
+        <a:scene3d>
+          <a:camera prst="orthographicFront"/>
+          <a:lightRig rig="chilly" dir="t"/>
+        </a:scene3d>
+        <a:sp3d prstMaterial="translucentPowder">
+          <a:bevelT w="127000" h="25400" prst="softRound"/>
+        </a:sp3d>
+      </dsp:spPr>
+      <dsp:style>
+        <a:lnRef idx="0">
+          <a:scrgbClr r="0" g="0" b="0"/>
+        </a:lnRef>
+        <a:fillRef idx="1">
+          <a:scrgbClr r="0" g="0" b="0"/>
+        </a:fillRef>
+        <a:effectRef idx="0">
+          <a:scrgbClr r="0" g="0" b="0"/>
+        </a:effectRef>
+        <a:fontRef idx="minor">
+          <a:schemeClr val="lt1"/>
+        </a:fontRef>
+      </dsp:style>
+      <dsp:txBody>
+        <a:bodyPr spcFirstLastPara="0" vert="horz" wrap="square" lIns="199136" tIns="199136" rIns="199136" bIns="199136" numCol="1" spcCol="1270" anchor="ctr" anchorCtr="0">
+          <a:noAutofit/>
+        </a:bodyPr>
+        <a:lstStyle/>
+        <a:p>
+          <a:pPr lvl="0" algn="ctr" defTabSz="1244600">
+            <a:lnSpc>
+              <a:spcPct val="90000"/>
+            </a:lnSpc>
+            <a:spcBef>
+              <a:spcPct val="0"/>
+            </a:spcBef>
+            <a:spcAft>
+              <a:spcPct val="35000"/>
+            </a:spcAft>
+          </a:pPr>
+          <a:r>
+            <a:rPr lang="en-US" sz="2800" kern="1200" dirty="0" smtClean="0"/>
+            <a:t>Numerical simulations </a:t>
+          </a:r>
+        </a:p>
+        <a:p>
+          <a:pPr lvl="0" algn="ctr" defTabSz="1244600">
+            <a:lnSpc>
+              <a:spcPct val="90000"/>
+            </a:lnSpc>
+            <a:spcBef>
+              <a:spcPct val="0"/>
+            </a:spcBef>
+            <a:spcAft>
+              <a:spcPct val="35000"/>
+            </a:spcAft>
+          </a:pPr>
+          <a:r>
+            <a:rPr lang="en-US" sz="2800" kern="1200" dirty="0" smtClean="0"/>
+            <a:t>of classical light and dipoles</a:t>
+          </a:r>
+          <a:endParaRPr lang="en-US" sz="2800" kern="1200" dirty="0"/>
+        </a:p>
+      </dsp:txBody>
+      <dsp:txXfrm>
+        <a:off x="0" y="2045557"/>
+        <a:ext cx="6432558" cy="1341105"/>
+      </dsp:txXfrm>
+    </dsp:sp>
+    <dsp:sp modelId="{C1302D0F-1727-CD45-A434-3F3876CFDB15}">
+      <dsp:nvSpPr>
+        <dsp:cNvPr id="0" name=""/>
+        <dsp:cNvSpPr/>
+      </dsp:nvSpPr>
+      <dsp:spPr>
+        <a:xfrm rot="10800000">
+          <a:off x="0" y="1527"/>
+          <a:ext cx="6432558" cy="2062619"/>
+        </a:xfrm>
+        <a:prstGeom prst="upArrowCallout">
+          <a:avLst/>
+        </a:prstGeom>
+        <a:solidFill>
+          <a:schemeClr val="accent1">
+            <a:hueOff val="0"/>
+            <a:satOff val="0"/>
+            <a:lumOff val="0"/>
+            <a:alphaOff val="0"/>
+          </a:schemeClr>
+        </a:solidFill>
+        <a:ln>
+          <a:noFill/>
+        </a:ln>
+        <a:effectLst/>
+        <a:scene3d>
+          <a:camera prst="orthographicFront"/>
+          <a:lightRig rig="chilly" dir="t"/>
+        </a:scene3d>
+        <a:sp3d prstMaterial="translucentPowder">
+          <a:bevelT w="127000" h="25400" prst="softRound"/>
+        </a:sp3d>
+      </dsp:spPr>
+      <dsp:style>
+        <a:lnRef idx="0">
+          <a:scrgbClr r="0" g="0" b="0"/>
+        </a:lnRef>
+        <a:fillRef idx="1">
+          <a:scrgbClr r="0" g="0" b="0"/>
+        </a:fillRef>
+        <a:effectRef idx="0">
+          <a:scrgbClr r="0" g="0" b="0"/>
+        </a:effectRef>
+        <a:fontRef idx="minor">
+          <a:schemeClr val="lt1"/>
+        </a:fontRef>
+      </dsp:style>
+      <dsp:txBody>
+        <a:bodyPr spcFirstLastPara="0" vert="horz" wrap="square" lIns="199136" tIns="199136" rIns="199136" bIns="199136" numCol="1" spcCol="1270" anchor="ctr" anchorCtr="0">
+          <a:noAutofit/>
+        </a:bodyPr>
+        <a:lstStyle/>
+        <a:p>
+          <a:pPr lvl="0" algn="ctr" defTabSz="1244600">
+            <a:lnSpc>
+              <a:spcPct val="90000"/>
+            </a:lnSpc>
+            <a:spcBef>
+              <a:spcPct val="0"/>
+            </a:spcBef>
+            <a:spcAft>
+              <a:spcPct val="35000"/>
+            </a:spcAft>
+          </a:pPr>
+          <a:r>
+            <a:rPr lang="en-US" sz="2800" kern="1200" dirty="0" smtClean="0"/>
+            <a:t>Quantum field theory </a:t>
+          </a:r>
+        </a:p>
+        <a:p>
+          <a:pPr lvl="0" algn="ctr" defTabSz="1244600">
+            <a:lnSpc>
+              <a:spcPct val="90000"/>
+            </a:lnSpc>
+            <a:spcBef>
+              <a:spcPct val="0"/>
+            </a:spcBef>
+            <a:spcAft>
+              <a:spcPct val="35000"/>
+            </a:spcAft>
+          </a:pPr>
+          <a:r>
+            <a:rPr lang="en-US" sz="2800" kern="1200" dirty="0" smtClean="0"/>
+            <a:t>for both atoms and light</a:t>
+          </a:r>
+          <a:endParaRPr lang="en-US" sz="2800" kern="1200" dirty="0"/>
+        </a:p>
+      </dsp:txBody>
+      <dsp:txXfrm rot="10800000">
+        <a:off x="0" y="1527"/>
+        <a:ext cx="6432558" cy="2062619"/>
+      </dsp:txXfrm>
+    </dsp:sp>
+  </dsp:spTree>
+</dsp:drawing>
+</file>
+
+<file path=ppt/diagrams/layout1.xml><?xml version="1.0" encoding="utf-8"?>
+<dgm:layoutDef xmlns:dgm="http://schemas.openxmlformats.org/drawingml/2006/diagram" xmlns:a="http://schemas.openxmlformats.org/drawingml/2006/main" uniqueId="urn:microsoft.com/office/officeart/2005/8/layout/process4">
+  <dgm:title val=""/>
+  <dgm:desc val=""/>
+  <dgm:catLst>
+    <dgm:cat type="process" pri="16000"/>
+    <dgm:cat type="list" pri="20000"/>
+  </dgm:catLst>
+  <dgm:sampData>
+    <dgm:dataModel>
+      <dgm:ptLst>
+        <dgm:pt modelId="0" type="doc"/>
+        <dgm:pt modelId="1">
+          <dgm:prSet phldr="1"/>
+        </dgm:pt>
+        <dgm:pt modelId="11">
+          <dgm:prSet phldr="1"/>
+        </dgm:pt>
+        <dgm:pt modelId="12">
+          <dgm:prSet phldr="1"/>
+        </dgm:pt>
+        <dgm:pt modelId="2">
+          <dgm:prSet phldr="1"/>
+        </dgm:pt>
+        <dgm:pt modelId="21">
+          <dgm:prSet phldr="1"/>
+        </dgm:pt>
+        <dgm:pt modelId="22">
+          <dgm:prSet phldr="1"/>
+        </dgm:pt>
+        <dgm:pt modelId="3">
+          <dgm:prSet phldr="1"/>
+        </dgm:pt>
+        <dgm:pt modelId="31">
+          <dgm:prSet phldr="1"/>
+        </dgm:pt>
+        <dgm:pt modelId="32">
+          <dgm:prSet phldr="1"/>
+        </dgm:pt>
+      </dgm:ptLst>
+      <dgm:cxnLst>
+        <dgm:cxn modelId="4" srcId="0" destId="1" srcOrd="0" destOrd="0"/>
+        <dgm:cxn modelId="5" srcId="0" destId="2" srcOrd="1" destOrd="0"/>
+        <dgm:cxn modelId="6" srcId="0" destId="3" srcOrd="2" destOrd="0"/>
+        <dgm:cxn modelId="13" srcId="1" destId="11" srcOrd="0" destOrd="0"/>
+        <dgm:cxn modelId="14" srcId="1" destId="12" srcOrd="1" destOrd="0"/>
+        <dgm:cxn modelId="23" srcId="2" destId="21" srcOrd="0" destOrd="0"/>
+        <dgm:cxn modelId="24" srcId="2" destId="22" srcOrd="1" destOrd="0"/>
+        <dgm:cxn modelId="33" srcId="3" destId="31" srcOrd="0" destOrd="0"/>
+        <dgm:cxn modelId="34" srcId="3" destId="32" srcOrd="1" destOrd="0"/>
+      </dgm:cxnLst>
+      <dgm:bg/>
+      <dgm:whole/>
+    </dgm:dataModel>
+  </dgm:sampData>
+  <dgm:styleData>
+    <dgm:dataModel>
+      <dgm:ptLst>
+        <dgm:pt modelId="0" type="doc"/>
+        <dgm:pt modelId="1"/>
+        <dgm:pt modelId="11"/>
+        <dgm:pt modelId="2"/>
+        <dgm:pt modelId="21"/>
+      </dgm:ptLst>
+      <dgm:cxnLst>
+        <dgm:cxn modelId="4" srcId="0" destId="1" srcOrd="0" destOrd="0"/>
+        <dgm:cxn modelId="5" srcId="0" destId="2" srcOrd="1" destOrd="0"/>
+        <dgm:cxn modelId="13" srcId="1" destId="11" srcOrd="0" destOrd="0"/>
+        <dgm:cxn modelId="23" srcId="2" destId="21" srcOrd="0" destOrd="0"/>
+      </dgm:cxnLst>
+      <dgm:bg/>
+      <dgm:whole/>
+    </dgm:dataModel>
+  </dgm:styleData>
+  <dgm:clrData>
+    <dgm:dataModel>
+      <dgm:ptLst>
+        <dgm:pt modelId="0" type="doc"/>
+        <dgm:pt modelId="1"/>
+        <dgm:pt modelId="11"/>
+        <dgm:pt modelId="2"/>
+        <dgm:pt modelId="21"/>
+        <dgm:pt modelId="3"/>
+        <dgm:pt modelId="31"/>
+        <dgm:pt modelId="4"/>
+        <dgm:pt modelId="41"/>
+      </dgm:ptLst>
+      <dgm:cxnLst>
+        <dgm:cxn modelId="5" srcId="0" destId="1" srcOrd="0" destOrd="0"/>
+        <dgm:cxn modelId="6" srcId="0" destId="2" srcOrd="1" destOrd="0"/>
+        <dgm:cxn modelId="7" srcId="0" destId="3" srcOrd="2" destOrd="0"/>
+        <dgm:cxn modelId="8" srcId="0" destId="4" srcOrd="3" destOrd="0"/>
+        <dgm:cxn modelId="13" srcId="1" destId="11" srcOrd="0" destOrd="0"/>
+        <dgm:cxn modelId="23" srcId="2" destId="21" srcOrd="0" destOrd="0"/>
+        <dgm:cxn modelId="33" srcId="3" destId="31" srcOrd="0" destOrd="0"/>
+        <dgm:cxn modelId="43" srcId="4" destId="41" srcOrd="0" destOrd="0"/>
+      </dgm:cxnLst>
+      <dgm:bg/>
+      <dgm:whole/>
+    </dgm:dataModel>
+  </dgm:clrData>
+  <dgm:layoutNode name="Name0">
+    <dgm:varLst>
+      <dgm:dir/>
+      <dgm:animLvl val="lvl"/>
+      <dgm:resizeHandles val="exact"/>
+    </dgm:varLst>
+    <dgm:alg type="lin">
+      <dgm:param type="linDir" val="fromB"/>
+    </dgm:alg>
+    <dgm:shape xmlns:r="http://schemas.openxmlformats.org/officeDocument/2006/relationships" r:blip="">
+      <dgm:adjLst/>
+    </dgm:shape>
+    <dgm:presOf/>
+    <dgm:constrLst>
+      <dgm:constr type="h" for="ch" forName="boxAndChildren" refType="h"/>
+      <dgm:constr type="h" for="ch" forName="arrowAndChildren" refType="h" refFor="ch" refForName="boxAndChildren" op="equ" fact="1.538"/>
+      <dgm:constr type="w" for="ch" forName="arrowAndChildren" refType="w"/>
+      <dgm:constr type="w" for="ch" forName="boxAndChildren" refType="w"/>
+      <dgm:constr type="h" for="ch" forName="sp" refType="h" fact="-0.015"/>
+      <dgm:constr type="primFontSz" for="des" forName="parentTextBox" val="65"/>
+      <dgm:constr type="primFontSz" for="des" forName="parentTextArrow" refType="primFontSz" refFor="des" refForName="parentTextBox" op="equ"/>
+      <dgm:constr type="primFontSz" for="des" forName="childTextArrow" val="65"/>
+      <dgm:constr type="primFontSz" for="des" forName="childTextBox" refType="primFontSz" refFor="des" refForName="childTextArrow" op="equ"/>
+    </dgm:constrLst>
+    <dgm:ruleLst/>
+    <dgm:forEach name="Name1" axis="ch" ptType="node" st="-1" step="-1">
+      <dgm:choose name="Name2">
+        <dgm:if name="Name3" axis="self" ptType="node" func="revPos" op="equ" val="1">
+          <dgm:layoutNode name="boxAndChildren">
+            <dgm:alg type="composite"/>
+            <dgm:shape xmlns:r="http://schemas.openxmlformats.org/officeDocument/2006/relationships" r:blip="">
+              <dgm:adjLst/>
+            </dgm:shape>
+            <dgm:presOf/>
+            <dgm:choose name="Name4">
+              <dgm:if name="Name5" axis="ch" ptType="node" func="cnt" op="gte" val="1">
+                <dgm:constrLst>
+                  <dgm:constr type="w" for="ch" forName="parentTextBox" refType="w"/>
+                  <dgm:constr type="h" for="ch" forName="parentTextBox" refType="h" fact="0.54"/>
+                  <dgm:constr type="t" for="ch" forName="parentTextBox"/>
+                  <dgm:constr type="w" for="ch" forName="entireBox" refType="w"/>
+                  <dgm:constr type="h" for="ch" forName="entireBox" refType="h"/>
+                  <dgm:constr type="w" for="ch" forName="descendantBox" refType="w"/>
+                  <dgm:constr type="b" for="ch" forName="descendantBox" refType="h" fact="0.98"/>
+                  <dgm:constr type="h" for="ch" forName="descendantBox" refType="h" fact="0.46"/>
+                </dgm:constrLst>
+              </dgm:if>
+              <dgm:else name="Name6">
+                <dgm:constrLst>
+                  <dgm:constr type="w" for="ch" forName="parentTextBox" refType="w"/>
+                  <dgm:constr type="h" for="ch" forName="parentTextBox" refType="h"/>
+                </dgm:constrLst>
+              </dgm:else>
+            </dgm:choose>
+            <dgm:ruleLst/>
+            <dgm:layoutNode name="parentTextBox">
+              <dgm:alg type="tx"/>
+              <dgm:choose name="Name7">
+                <dgm:if name="Name8" axis="ch" ptType="node" func="cnt" op="gte" val="1">
+                  <dgm:shape xmlns:r="http://schemas.openxmlformats.org/officeDocument/2006/relationships" type="rect" r:blip="" zOrderOff="1" hideGeom="1">
+                    <dgm:adjLst/>
+                  </dgm:shape>
+                </dgm:if>
+                <dgm:else name="Name9">
+                  <dgm:shape xmlns:r="http://schemas.openxmlformats.org/officeDocument/2006/relationships" type="rect" r:blip="">
+                    <dgm:adjLst/>
+                  </dgm:shape>
+                </dgm:else>
+              </dgm:choose>
+              <dgm:presOf axis="self"/>
+              <dgm:constrLst/>
+              <dgm:ruleLst>
+                <dgm:rule type="primFontSz" val="5" fact="NaN" max="NaN"/>
+              </dgm:ruleLst>
+            </dgm:layoutNode>
+            <dgm:choose name="Name10">
+              <dgm:if name="Name11" axis="ch" ptType="node" func="cnt" op="gte" val="1">
+                <dgm:layoutNode name="entireBox">
+                  <dgm:alg type="sp"/>
+                  <dgm:shape xmlns:r="http://schemas.openxmlformats.org/officeDocument/2006/relationships" type="rect" r:blip="">
+                    <dgm:adjLst/>
+                  </dgm:shape>
+                  <dgm:presOf axis="self"/>
+                  <dgm:constrLst/>
+                  <dgm:ruleLst/>
+                </dgm:layoutNode>
+                <dgm:layoutNode name="descendantBox" styleLbl="fgAccFollowNode1">
+                  <dgm:choose name="Name12">
+                    <dgm:if name="Name13" func="var" arg="dir" op="equ" val="norm">
+                      <dgm:alg type="lin"/>
+                    </dgm:if>
+                    <dgm:else name="Name14">
+                      <dgm:alg type="lin">
+                        <dgm:param type="linDir" val="fromR"/>
+                      </dgm:alg>
+                    </dgm:else>
+                  </dgm:choose>
+                  <dgm:shape xmlns:r="http://schemas.openxmlformats.org/officeDocument/2006/relationships" r:blip="">
+                    <dgm:adjLst/>
+                  </dgm:shape>
+                  <dgm:presOf/>
+                  <dgm:constrLst>
+                    <dgm:constr type="w" for="ch" forName="childTextBox" refType="w"/>
+                    <dgm:constr type="h" for="ch" forName="childTextBox" refType="h"/>
+                  </dgm:constrLst>
+                  <dgm:ruleLst/>
+                  <dgm:forEach name="Name15" axis="ch" ptType="node">
+                    <dgm:layoutNode name="childTextBox" styleLbl="fgAccFollowNode1">
+                      <dgm:varLst>
+                        <dgm:bulletEnabled val="1"/>
+                      </dgm:varLst>
+                      <dgm:alg type="tx"/>
+                      <dgm:shape xmlns:r="http://schemas.openxmlformats.org/officeDocument/2006/relationships" type="rect" r:blip="">
+                        <dgm:adjLst/>
+                      </dgm:shape>
+                      <dgm:presOf axis="desOrSelf" ptType="node"/>
+                      <dgm:constrLst>
+                        <dgm:constr type="tMarg" refType="primFontSz" fact="0.1"/>
+                        <dgm:constr type="bMarg" refType="primFontSz" fact="0.1"/>
+                      </dgm:constrLst>
+                      <dgm:ruleLst>
+                        <dgm:rule type="primFontSz" val="5" fact="NaN" max="NaN"/>
+                      </dgm:ruleLst>
+                    </dgm:layoutNode>
+                  </dgm:forEach>
+                </dgm:layoutNode>
+              </dgm:if>
+              <dgm:else name="Name16"/>
+            </dgm:choose>
+          </dgm:layoutNode>
+        </dgm:if>
+        <dgm:else name="Name17">
+          <dgm:layoutNode name="arrowAndChildren">
+            <dgm:alg type="composite"/>
+            <dgm:shape xmlns:r="http://schemas.openxmlformats.org/officeDocument/2006/relationships" r:blip="">
+              <dgm:adjLst/>
+            </dgm:shape>
+            <dgm:presOf/>
+            <dgm:choose name="Name18">
+              <dgm:if name="Name19" axis="ch" ptType="node" func="cnt" op="gte" val="1">
+                <dgm:constrLst>
+                  <dgm:constr type="w" for="ch" forName="parentTextArrow" refType="w"/>
+                  <dgm:constr type="t" for="ch" forName="parentTextArrow"/>
+                  <dgm:constr type="h" for="ch" forName="parentTextArrow" refType="h" fact="0.351"/>
+                  <dgm:constr type="w" for="ch" forName="arrow" refType="w"/>
+                  <dgm:constr type="h" for="ch" forName="arrow" refType="h"/>
+                  <dgm:constr type="w" for="ch" forName="descendantArrow" refType="w"/>
+                  <dgm:constr type="b" for="ch" forName="descendantArrow" refType="h" fact="0.65"/>
+                  <dgm:constr type="h" for="ch" forName="descendantArrow" refType="h" fact="0.299"/>
+                </dgm:constrLst>
+              </dgm:if>
+              <dgm:else name="Name20">
+                <dgm:constrLst>
+                  <dgm:constr type="w" for="ch" forName="parentTextArrow" refType="w"/>
+                  <dgm:constr type="h" for="ch" forName="parentTextArrow" refType="h"/>
+                </dgm:constrLst>
+              </dgm:else>
+            </dgm:choose>
+            <dgm:ruleLst/>
+            <dgm:layoutNode name="parentTextArrow">
+              <dgm:alg type="tx"/>
+              <dgm:choose name="Name21">
+                <dgm:if name="Name22" axis="ch" ptType="node" func="cnt" op="gte" val="1">
+                  <dgm:shape xmlns:r="http://schemas.openxmlformats.org/officeDocument/2006/relationships" type="rect" r:blip="" zOrderOff="1" hideGeom="1">
+                    <dgm:adjLst/>
+                  </dgm:shape>
+                </dgm:if>
+                <dgm:else name="Name23">
+                  <dgm:shape xmlns:r="http://schemas.openxmlformats.org/officeDocument/2006/relationships" rot="180" type="upArrowCallout" r:blip="">
+                    <dgm:adjLst/>
+                  </dgm:shape>
+                </dgm:else>
+              </dgm:choose>
+              <dgm:presOf axis="self"/>
+              <dgm:constrLst/>
+              <dgm:ruleLst>
+                <dgm:rule type="primFontSz" val="5" fact="NaN" max="NaN"/>
+              </dgm:ruleLst>
+            </dgm:layoutNode>
+            <dgm:choose name="Name24">
+              <dgm:if name="Name25" axis="ch" ptType="node" func="cnt" op="gte" val="1">
+                <dgm:layoutNode name="arrow">
+                  <dgm:alg type="sp"/>
+                  <dgm:shape xmlns:r="http://schemas.openxmlformats.org/officeDocument/2006/relationships" rot="180" type="upArrowCallout" r:blip="">
+                    <dgm:adjLst/>
+                  </dgm:shape>
+                  <dgm:presOf axis="self"/>
+                  <dgm:constrLst/>
+                  <dgm:ruleLst/>
+                </dgm:layoutNode>
+                <dgm:layoutNode name="descendantArrow">
+                  <dgm:choose name="Name26">
+                    <dgm:if name="Name27" func="var" arg="dir" op="equ" val="norm">
+                      <dgm:alg type="lin"/>
+                    </dgm:if>
+                    <dgm:else name="Name28">
+                      <dgm:alg type="lin">
+                        <dgm:param type="linDir" val="fromR"/>
+                      </dgm:alg>
+                    </dgm:else>
+                  </dgm:choose>
+                  <dgm:shape xmlns:r="http://schemas.openxmlformats.org/officeDocument/2006/relationships" r:blip="">
+                    <dgm:adjLst/>
+                  </dgm:shape>
+                  <dgm:presOf/>
+                  <dgm:constrLst>
+                    <dgm:constr type="w" for="ch" forName="childTextArrow" refType="w"/>
+                    <dgm:constr type="h" for="ch" forName="childTextArrow" refType="h"/>
+                  </dgm:constrLst>
+                  <dgm:ruleLst/>
+                  <dgm:forEach name="Name29" axis="ch" ptType="node">
+                    <dgm:layoutNode name="childTextArrow" styleLbl="fgAccFollowNode1">
+                      <dgm:varLst>
+                        <dgm:bulletEnabled val="1"/>
+                      </dgm:varLst>
+                      <dgm:alg type="tx"/>
+                      <dgm:shape xmlns:r="http://schemas.openxmlformats.org/officeDocument/2006/relationships" type="rect" r:blip="">
+                        <dgm:adjLst/>
+                      </dgm:shape>
+                      <dgm:presOf axis="desOrSelf" ptType="node"/>
+                      <dgm:constrLst>
+                        <dgm:constr type="tMarg" refType="primFontSz" fact="0.1"/>
+                        <dgm:constr type="bMarg" refType="primFontSz" fact="0.1"/>
+                      </dgm:constrLst>
+                      <dgm:ruleLst>
+                        <dgm:rule type="primFontSz" val="5" fact="NaN" max="NaN"/>
+                      </dgm:ruleLst>
+                    </dgm:layoutNode>
+                  </dgm:forEach>
+                </dgm:layoutNode>
+              </dgm:if>
+              <dgm:else name="Name30"/>
+            </dgm:choose>
+          </dgm:layoutNode>
+        </dgm:else>
+      </dgm:choose>
+      <dgm:forEach name="Name31" axis="precedSib" ptType="sibTrans" st="-1" cnt="1">
+        <dgm:layoutNode name="sp">
+          <dgm:alg type="sp"/>
+          <dgm:shape xmlns:r="http://schemas.openxmlformats.org/officeDocument/2006/relationships" r:blip="">
+            <dgm:adjLst/>
+          </dgm:shape>
+          <dgm:presOf axis="self"/>
+          <dgm:constrLst/>
+          <dgm:ruleLst/>
+        </dgm:layoutNode>
+      </dgm:forEach>
+    </dgm:forEach>
+  </dgm:layoutNode>
+</dgm:layoutDef>
+</file>
+
+<file path=ppt/diagrams/quickStyle1.xml><?xml version="1.0" encoding="utf-8"?>
+<dgm:styleDef xmlns:dgm="http://schemas.openxmlformats.org/drawingml/2006/diagram" xmlns:a="http://schemas.openxmlformats.org/drawingml/2006/main" uniqueId="urn:microsoft.com/office/officeart/2005/8/quickstyle/3D4">
+  <dgm:title val=""/>
+  <dgm:desc val=""/>
+  <dgm:catLst>
+    <dgm:cat type="3D" pri="11400"/>
+  </dgm:catLst>
+  <dgm:scene3d>
+    <a:camera prst="orthographicFront"/>
+    <a:lightRig rig="threePt" dir="t"/>
+  </dgm:scene3d>
+  <dgm:styleLbl name="node0">
+    <dgm:scene3d>
+      <a:camera prst="orthographicFront"/>
+      <a:lightRig rig="chilly" dir="t"/>
+    </dgm:scene3d>
+    <dgm:sp3d prstMaterial="translucentPowder">
+      <a:bevelT w="127000" h="25400" prst="softRound"/>
+    </dgm:sp3d>
+    <dgm:txPr/>
+    <dgm:style>
+      <a:lnRef idx="0">
+        <a:scrgbClr r="0" g="0" b="0"/>
+      </a:lnRef>
+      <a:fillRef idx="1">
+        <a:scrgbClr r="0" g="0" b="0"/>
+      </a:fillRef>
+      <a:effectRef idx="0">
+        <a:scrgbClr r="0" g="0" b="0"/>
+      </a:effectRef>
+      <a:fontRef idx="minor">
+        <a:schemeClr val="lt1"/>
+      </a:fontRef>
+    </dgm:style>
+  </dgm:styleLbl>
+  <dgm:styleLbl name="lnNode1">
+    <dgm:scene3d>
+      <a:camera prst="orthographicFront"/>
+      <a:lightRig rig="chilly" dir="t"/>
+    </dgm:scene3d>
+    <dgm:sp3d prstMaterial="translucentPowder">
+      <a:bevelT w="127000" h="25400" prst="softRound"/>
+    </dgm:sp3d>
+    <dgm:txPr/>
+    <dgm:style>
+      <a:lnRef idx="0">
+        <a:scrgbClr r="0" g="0" b="0"/>
+      </a:lnRef>
+      <a:fillRef idx="1">
+        <a:scrgbClr r="0" g="0" b="0"/>
+      </a:fillRef>
+      <a:effectRef idx="0">
+        <a:scrgbClr r="0" g="0" b="0"/>
+      </a:effectRef>
+      <a:fontRef idx="minor">
+        <a:schemeClr val="lt1"/>
+      </a:fontRef>
+    </dgm:style>
+  </dgm:styleLbl>
+  <dgm:styleLbl name="vennNode1">
+    <dgm:scene3d>
+      <a:camera prst="orthographicFront"/>
+      <a:lightRig rig="chilly" dir="t"/>
+    </dgm:scene3d>
+    <dgm:sp3d prstMaterial="translucentPowder">
+      <a:bevelT w="127000" h="25400" prst="softRound"/>
+    </dgm:sp3d>
+    <dgm:txPr/>
+    <dgm:style>
+      <a:lnRef idx="0">
+        <a:scrgbClr r="0" g="0" b="0"/>
+      </a:lnRef>
+      <a:fillRef idx="1">
+        <a:scrgbClr r="0" g="0" b="0"/>
+      </a:fillRef>
+      <a:effectRef idx="0">
+        <a:scrgbClr r="0" g="0" b="0"/>
+      </a:effectRef>
+      <a:fontRef idx="minor">
+        <a:schemeClr val="tx1"/>
+      </a:fontRef>
+    </dgm:style>
+  </dgm:styleLbl>
+  <dgm:styleLbl name="alignNode1">
+    <dgm:scene3d>
+      <a:camera prst="orthographicFront"/>
+      <a:lightRig rig="chilly" dir="t"/>
+    </dgm:scene3d>
+    <dgm:sp3d prstMaterial="translucentPowder">
+      <a:bevelT w="127000" h="25400" prst="softRound"/>
+    </dgm:sp3d>
+    <dgm:txPr/>
+    <dgm:style>
+      <a:lnRef idx="1">
+        <a:scrgbClr r="0" g="0" b="0"/>
+      </a:lnRef>
+      <a:fillRef idx="1">
+        <a:scrgbClr r="0" g="0" b="0"/>
+      </a:fillRef>
+      <a:effectRef idx="0">
+        <a:scrgbClr r="0" g="0" b="0"/>
+      </a:effectRef>
+      <a:fontRef idx="minor">
+        <a:schemeClr val="lt1"/>
+      </a:fontRef>
+    </dgm:style>
+  </dgm:styleLbl>
+  <dgm:styleLbl name="node1">
+    <dgm:scene3d>
+      <a:camera prst="orthographicFront"/>
+      <a:lightRig rig="chilly" dir="t"/>
+    </dgm:scene3d>
+    <dgm:sp3d prstMaterial="translucentPowder">
+      <a:bevelT w="127000" h="25400" prst="softRound"/>
+    </dgm:sp3d>
+    <dgm:txPr/>
+    <dgm:style>
+      <a:lnRef idx="0">
+        <a:scrgbClr r="0" g="0" b="0"/>
+      </a:lnRef>
+      <a:fillRef idx="1">
+        <a:scrgbClr r="0" g="0" b="0"/>
+      </a:fillRef>
+      <a:effectRef idx="0">
+        <a:scrgbClr r="0" g="0" b="0"/>
+      </a:effectRef>
+      <a:fontRef idx="minor">
+        <a:schemeClr val="lt1"/>
+      </a:fontRef>
+    </dgm:style>
+  </dgm:styleLbl>
+  <dgm:styleLbl name="node2">
+    <dgm:scene3d>
+      <a:camera prst="orthographicFront"/>
+      <a:lightRig rig="chilly" dir="t"/>
+    </dgm:scene3d>
+    <dgm:sp3d prstMaterial="translucentPowder">
+      <a:bevelT w="127000" h="25400" prst="softRound"/>
+    </dgm:sp3d>
+    <dgm:txPr/>
+    <dgm:style>
+      <a:lnRef idx="0">
+        <a:scrgbClr r="0" g="0" b="0"/>
+      </a:lnRef>
+      <a:fillRef idx="1">
+        <a:scrgbClr r="0" g="0" b="0"/>
+      </a:fillRef>
+      <a:effectRef idx="0">
+        <a:scrgbClr r="0" g="0" b="0"/>
+      </a:effectRef>
+      <a:fontRef idx="minor">
+        <a:schemeClr val="lt1"/>
+      </a:fontRef>
+    </dgm:style>
+  </dgm:styleLbl>
+  <dgm:styleLbl name="node3">
+    <dgm:scene3d>
+      <a:camera prst="orthographicFront"/>
+      <a:lightRig rig="chilly" dir="t"/>
+    </dgm:scene3d>
+    <dgm:sp3d prstMaterial="translucentPowder">
+      <a:bevelT w="127000" h="25400" prst="softRound"/>
+    </dgm:sp3d>
+    <dgm:txPr/>
+    <dgm:style>
+      <a:lnRef idx="0">
+        <a:scrgbClr r="0" g="0" b="0"/>
+      </a:lnRef>
+      <a:fillRef idx="1">
+        <a:scrgbClr r="0" g="0" b="0"/>
+      </a:fillRef>
+      <a:effectRef idx="0">
+        <a:scrgbClr r="0" g="0" b="0"/>
+      </a:effectRef>
+      <a:fontRef idx="minor">
+        <a:schemeClr val="lt1"/>
+      </a:fontRef>
+    </dgm:style>
+  </dgm:styleLbl>
+  <dgm:styleLbl name="node4">
+    <dgm:scene3d>
+      <a:camera prst="orthographicFront"/>
+      <a:lightRig rig="chilly" dir="t"/>
+    </dgm:scene3d>
+    <dgm:sp3d prstMaterial="translucentPowder">
+      <a:bevelT w="127000" h="25400" prst="softRound"/>
+    </dgm:sp3d>
+    <dgm:txPr/>
+    <dgm:style>
+      <a:lnRef idx="0">
+        <a:scrgbClr r="0" g="0" b="0"/>
+      </a:lnRef>
+      <a:fillRef idx="1">
+        <a:scrgbClr r="0" g="0" b="0"/>
+      </a:fillRef>
+      <a:effectRef idx="0">
+        <a:scrgbClr r="0" g="0" b="0"/>
+      </a:effectRef>
+      <a:fontRef idx="minor">
+        <a:schemeClr val="lt1"/>
+      </a:fontRef>
+    </dgm:style>
+  </dgm:styleLbl>
+  <dgm:styleLbl name="fgImgPlace1">
+    <dgm:scene3d>
+      <a:camera prst="orthographicFront"/>
+      <a:lightRig rig="chilly" dir="t"/>
+    </dgm:scene3d>
+    <dgm:sp3d z="12700" extrusionH="12700" prstMaterial="translucentPowder">
+      <a:bevelT w="25400" h="6350" prst="softRound"/>
+      <a:bevelB w="0" h="0" prst="convex"/>
+    </dgm:sp3d>
+    <dgm:txPr/>
+    <dgm:style>
+      <a:lnRef idx="0">
+        <a:scrgbClr r="0" g="0" b="0"/>
+      </a:lnRef>
+      <a:fillRef idx="1">
+        <a:scrgbClr r="0" g="0" b="0"/>
+      </a:fillRef>
+      <a:effectRef idx="0">
+        <a:scrgbClr r="0" g="0" b="0"/>
+      </a:effectRef>
+      <a:fontRef idx="minor"/>
+    </dgm:style>
+  </dgm:styleLbl>
+  <dgm:styleLbl name="alignImgPlace1">
+    <dgm:scene3d>
+      <a:camera prst="orthographicFront"/>
+      <a:lightRig rig="chilly" dir="t"/>
+    </dgm:scene3d>
+    <dgm:sp3d prstMaterial="translucentPowder">
+      <a:bevelT w="127000" h="25400" prst="softRound"/>
+    </dgm:sp3d>
+    <dgm:txPr/>
+    <dgm:style>
+      <a:lnRef idx="0">
+        <a:scrgbClr r="0" g="0" b="0"/>
+      </a:lnRef>
+      <a:fillRef idx="1">
+        <a:scrgbClr r="0" g="0" b="0"/>
+      </a:fillRef>
+      <a:effectRef idx="0">
+        <a:scrgbClr r="0" g="0" b="0"/>
+      </a:effectRef>
+      <a:fontRef idx="minor">
+        <a:schemeClr val="lt1"/>
+      </a:fontRef>
+    </dgm:style>
+  </dgm:styleLbl>
+  <dgm:styleLbl name="bgImgPlace1">
+    <dgm:scene3d>
+      <a:camera prst="orthographicFront"/>
+      <a:lightRig rig="chilly" dir="t"/>
+    </dgm:scene3d>
+    <dgm:sp3d z="-25700" extrusionH="63500" contourW="12700" prstMaterial="matte">
+      <a:contourClr>
+        <a:schemeClr val="lt1"/>
+      </a:contourClr>
+    </dgm:sp3d>
+    <dgm:txPr/>
+    <dgm:style>
+      <a:lnRef idx="0">
+        <a:scrgbClr r="0" g="0" b="0"/>
+      </a:lnRef>
+      <a:fillRef idx="1">
+        <a:scrgbClr r="0" g="0" b="0"/>
+      </a:fillRef>
+      <a:effectRef idx="0">
+        <a:scrgbClr r="0" g="0" b="0"/>
+      </a:effectRef>
+      <a:fontRef idx="minor"/>
+    </dgm:style>
+  </dgm:styleLbl>
+  <dgm:styleLbl name="sibTrans2D1">
+    <dgm:scene3d>
+      <a:camera prst="orthographicFront"/>
+      <a:lightRig rig="chilly" dir="t"/>
+    </dgm:scene3d>
+    <dgm:sp3d z="-70000" extrusionH="1700" prstMaterial="translucentPowder">
+      <a:bevelT w="25400" h="6350" prst="softRound"/>
+      <a:bevelB w="0" h="0" prst="convex"/>
+    </dgm:sp3d>
+    <dgm:txPr/>
+    <dgm:style>
+      <a:lnRef idx="0">
+        <a:scrgbClr r="0" g="0" b="0"/>
+      </a:lnRef>
+      <a:fillRef idx="1">
+        <a:scrgbClr r="0" g="0" b="0"/>
+      </a:fillRef>
+      <a:effectRef idx="0">
+        <a:scrgbClr r="0" g="0" b="0"/>
+      </a:effectRef>
+      <a:fontRef idx="minor">
+        <a:schemeClr val="lt1"/>
+      </a:fontRef>
+    </dgm:style>
+  </dgm:styleLbl>
+  <dgm:styleLbl name="fgSibTrans2D1">
+    <dgm:scene3d>
+      <a:camera prst="orthographicFront"/>
+      <a:lightRig rig="chilly" dir="t"/>
+    </dgm:scene3d>
+    <dgm:sp3d z="12700" extrusionH="1700" prstMaterial="translucentPowder">
+      <a:bevelT w="25400" h="6350" prst="softRound"/>
+      <a:bevelB w="0" h="0" prst="convex"/>
+    </dgm:sp3d>
+    <dgm:txPr/>
+    <dgm:style>
+      <a:lnRef idx="0">
+        <a:scrgbClr r="0" g="0" b="0"/>
+      </a:lnRef>
+      <a:fillRef idx="1">
+        <a:scrgbClr r="0" g="0" b="0"/>
+      </a:fillRef>
+      <a:effectRef idx="0">
+        <a:scrgbClr r="0" g="0" b="0"/>
+      </a:effectRef>
+      <a:fontRef idx="minor"/>
+    </dgm:style>
+  </dgm:styleLbl>
+  <dgm:styleLbl name="bgSibTrans2D1">
+    <dgm:scene3d>
+      <a:camera prst="orthographicFront"/>
+      <a:lightRig rig="chilly" dir="t"/>
+    </dgm:scene3d>
+    <dgm:sp3d z="-25700" extrusionH="1700" prstMaterial="translucentPowder">
+      <a:bevelT w="25400" h="6350" prst="softRound"/>
+      <a:bevelB w="0" h="0" prst="convex"/>
+    </dgm:sp3d>
+    <dgm:txPr/>
+    <dgm:style>
+      <a:lnRef idx="0">
+        <a:scrgbClr r="0" g="0" b="0"/>
+      </a:lnRef>
+      <a:fillRef idx="1">
+        <a:scrgbClr r="0" g="0" b="0"/>
+      </a:fillRef>
+      <a:effectRef idx="0">
+        <a:scrgbClr r="0" g="0" b="0"/>
+      </a:effectRef>
+      <a:fontRef idx="minor"/>
+    </dgm:style>
+  </dgm:styleLbl>
+  <dgm:styleLbl name="sibTrans1D1">
+    <dgm:scene3d>
+      <a:camera prst="orthographicFront"/>
+      <a:lightRig rig="chilly" dir="t"/>
+    </dgm:scene3d>
+    <dgm:sp3d z="-40000" prstMaterial="matte"/>
+    <dgm:txPr/>
+    <dgm:style>
+      <a:lnRef idx="1">
+        <a:scrgbClr r="0" g="0" b="0"/>
+      </a:lnRef>
+      <a:fillRef idx="0">
+        <a:scrgbClr r="0" g="0" b="0"/>
+      </a:fillRef>
+      <a:effectRef idx="0">
+        <a:scrgbClr r="0" g="0" b="0"/>
+      </a:effectRef>
+      <a:fontRef idx="minor"/>
+    </dgm:style>
+  </dgm:styleLbl>
+  <dgm:styleLbl name="callout">
+    <dgm:scene3d>
+      <a:camera prst="orthographicFront"/>
+      <a:lightRig rig="chilly" dir="t"/>
+    </dgm:scene3d>
+    <dgm:sp3d z="127000" prstMaterial="matte"/>
+    <dgm:txPr/>
+    <dgm:style>
+      <a:lnRef idx="2">
+        <a:scrgbClr r="0" g="0" b="0"/>
+      </a:lnRef>
+      <a:fillRef idx="1">
+        <a:scrgbClr r="0" g="0" b="0"/>
+      </a:fillRef>
+      <a:effectRef idx="0">
+        <a:scrgbClr r="0" g="0" b="0"/>
+      </a:effectRef>
+      <a:fontRef idx="minor"/>
+    </dgm:style>
+  </dgm:styleLbl>
+  <dgm:styleLbl name="asst0">
+    <dgm:scene3d>
+      <a:camera prst="orthographicFront"/>
+      <a:lightRig rig="chilly" dir="t"/>
+    </dgm:scene3d>
+    <dgm:sp3d prstMaterial="translucentPowder">
+      <a:bevelT w="127000" h="25400" prst="softRound"/>
+    </dgm:sp3d>
+    <dgm:txPr/>
+    <dgm:style>
+      <a:lnRef idx="0">
+        <a:scrgbClr r="0" g="0" b="0"/>
+      </a:lnRef>
+      <a:fillRef idx="1">
+        <a:scrgbClr r="0" g="0" b="0"/>
+      </a:fillRef>
+      <a:effectRef idx="0">
+        <a:scrgbClr r="0" g="0" b="0"/>
+      </a:effectRef>
+      <a:fontRef idx="minor">
+        <a:schemeClr val="lt1"/>
+      </a:fontRef>
+    </dgm:style>
+  </dgm:styleLbl>
+  <dgm:styleLbl name="asst1">
+    <dgm:scene3d>
+      <a:camera prst="orthographicFront"/>
+      <a:lightRig rig="chilly" dir="t"/>
+    </dgm:scene3d>
+    <dgm:sp3d prstMaterial="translucentPowder">
+      <a:bevelT w="127000" h="25400" prst="softRound"/>
+    </dgm:sp3d>
+    <dgm:txPr/>
+    <dgm:style>
+      <a:lnRef idx="0">
+        <a:scrgbClr r="0" g="0" b="0"/>
+      </a:lnRef>
+      <a:fillRef idx="1">
+        <a:scrgbClr r="0" g="0" b="0"/>
+      </a:fillRef>
+      <a:effectRef idx="0">
+        <a:scrgbClr r="0" g="0" b="0"/>
+      </a:effectRef>
+      <a:fontRef idx="minor">
+        <a:schemeClr val="lt1"/>
+      </a:fontRef>
+    </dgm:style>
+  </dgm:styleLbl>
+  <dgm:styleLbl name="asst2">
+    <dgm:scene3d>
+      <a:camera prst="orthographicFront"/>
+      <a:lightRig rig="chilly" dir="t"/>
+    </dgm:scene3d>
+    <dgm:sp3d prstMaterial="translucentPowder">
+      <a:bevelT w="127000" h="25400" prst="softRound"/>
+    </dgm:sp3d>
+    <dgm:txPr/>
+    <dgm:style>
+      <a:lnRef idx="0">
+        <a:scrgbClr r="0" g="0" b="0"/>
+      </a:lnRef>
+      <a:fillRef idx="1">
+        <a:scrgbClr r="0" g="0" b="0"/>
+      </a:fillRef>
+      <a:effectRef idx="0">
+        <a:scrgbClr r="0" g="0" b="0"/>
+      </a:effectRef>
+      <a:fontRef idx="minor">
+        <a:schemeClr val="lt1"/>
+      </a:fontRef>
+    </dgm:style>
+  </dgm:styleLbl>
+  <dgm:styleLbl name="asst3">
+    <dgm:scene3d>
+      <a:camera prst="orthographicFront"/>
+      <a:lightRig rig="chilly" dir="t"/>
+    </dgm:scene3d>
+    <dgm:sp3d prstMaterial="translucentPowder">
+      <a:bevelT w="127000" h="25400" prst="softRound"/>
+    </dgm:sp3d>
+    <dgm:txPr/>
+    <dgm:style>
+      <a:lnRef idx="0">
+        <a:scrgbClr r="0" g="0" b="0"/>
+      </a:lnRef>
+      <a:fillRef idx="1">
+        <a:scrgbClr r="0" g="0" b="0"/>
+      </a:fillRef>
+      <a:effectRef idx="0">
+        <a:scrgbClr r="0" g="0" b="0"/>
+      </a:effectRef>
+      <a:fontRef idx="minor">
+        <a:schemeClr val="lt1"/>
+      </a:fontRef>
+    </dgm:style>
+  </dgm:styleLbl>
+  <dgm:styleLbl name="parChTrans2D1">
+    <dgm:scene3d>
+      <a:camera prst="orthographicFront"/>
+      <a:lightRig rig="chilly" dir="t"/>
+    </dgm:scene3d>
+    <dgm:sp3d z="1700" extrusionH="1700" prstMaterial="translucentPowder">
+      <a:bevelT w="25400" h="6350" prst="softRound"/>
+      <a:bevelB w="0" h="0" prst="convex"/>
+    </dgm:sp3d>
+    <dgm:txPr/>
+    <dgm:style>
+      <a:lnRef idx="0">
+        <a:scrgbClr r="0" g="0" b="0"/>
+      </a:lnRef>
+      <a:fillRef idx="1">
+        <a:scrgbClr r="0" g="0" b="0"/>
+      </a:fillRef>
+      <a:effectRef idx="0">
+        <a:scrgbClr r="0" g="0" b="0"/>
+      </a:effectRef>
+      <a:fontRef idx="minor"/>
+    </dgm:style>
+  </dgm:styleLbl>
+  <dgm:styleLbl name="parChTrans2D2">
+    <dgm:scene3d>
+      <a:camera prst="orthographicFront"/>
+      <a:lightRig rig="chilly" dir="t"/>
+    </dgm:scene3d>
+    <dgm:sp3d z="1700" extrusionH="1700" prstMaterial="translucentPowder">
+      <a:bevelT w="25400" h="6350" prst="softRound"/>
+      <a:bevelB w="0" h="0" prst="convex"/>
+    </dgm:sp3d>
+    <dgm:txPr/>
+    <dgm:style>
+      <a:lnRef idx="0">
+        <a:scrgbClr r="0" g="0" b="0"/>
+      </a:lnRef>
+      <a:fillRef idx="1">
+        <a:scrgbClr r="0" g="0" b="0"/>
+      </a:fillRef>
+      <a:effectRef idx="0">
+        <a:scrgbClr r="0" g="0" b="0"/>
+      </a:effectRef>
+      <a:fontRef idx="minor"/>
+    </dgm:style>
+  </dgm:styleLbl>
+  <dgm:styleLbl name="parChTrans2D3">
+    <dgm:scene3d>
+      <a:camera prst="orthographicFront"/>
+      <a:lightRig rig="chilly" dir="t"/>
+    </dgm:scene3d>
+    <dgm:sp3d extrusionH="1700" prstMaterial="translucentPowder">
+      <a:bevelT w="25400" h="6350" prst="softRound"/>
+      <a:bevelB w="0" h="0" prst="convex"/>
+    </dgm:sp3d>
+    <dgm:txPr/>
+    <dgm:style>
+      <a:lnRef idx="0">
+        <a:scrgbClr r="0" g="0" b="0"/>
+      </a:lnRef>
+      <a:fillRef idx="1">
+        <a:scrgbClr r="0" g="0" b="0"/>
+      </a:fillRef>
+      <a:effectRef idx="0">
+        <a:scrgbClr r="0" g="0" b="0"/>
+      </a:effectRef>
+      <a:fontRef idx="minor"/>
+    </dgm:style>
+  </dgm:styleLbl>
+  <dgm:styleLbl name="parChTrans2D4">
+    <dgm:scene3d>
+      <a:camera prst="orthographicFront"/>
+      <a:lightRig rig="chilly" dir="t"/>
+    </dgm:scene3d>
+    <dgm:sp3d extrusionH="1700" prstMaterial="translucentPowder">
+      <a:bevelT w="25400" h="6350" prst="softRound"/>
+      <a:bevelB w="0" h="0" prst="convex"/>
+    </dgm:sp3d>
+    <dgm:txPr/>
+    <dgm:style>
+      <a:lnRef idx="0">
+        <a:scrgbClr r="0" g="0" b="0"/>
+      </a:lnRef>
+      <a:fillRef idx="1">
+        <a:scrgbClr r="0" g="0" b="0"/>
+      </a:fillRef>
+      <a:effectRef idx="0">
+        <a:scrgbClr r="0" g="0" b="0"/>
+      </a:effectRef>
+      <a:fontRef idx="minor"/>
+    </dgm:style>
+  </dgm:styleLbl>
+  <dgm:styleLbl name="parChTrans1D1">
+    <dgm:scene3d>
+      <a:camera prst="orthographicFront"/>
+      <a:lightRig rig="chilly" dir="t"/>
+    </dgm:scene3d>
+    <dgm:sp3d z="-40000" prstMaterial="matte"/>
+    <dgm:txPr/>
+    <dgm:style>
+      <a:lnRef idx="2">
+        <a:scrgbClr r="0" g="0" b="0"/>
+      </a:lnRef>
+      <a:fillRef idx="0">
+        <a:scrgbClr r="0" g="0" b="0"/>
+      </a:fillRef>
+      <a:effectRef idx="0">
+        <a:scrgbClr r="0" g="0" b="0"/>
+      </a:effectRef>
+      <a:fontRef idx="minor"/>
+    </dgm:style>
+  </dgm:styleLbl>
+  <dgm:styleLbl name="parChTrans1D2">
+    <dgm:scene3d>
+      <a:camera prst="orthographicFront"/>
+      <a:lightRig rig="threePt" dir="t"/>
+    </dgm:scene3d>
+    <dgm:sp3d z="-40000" prstMaterial="matte"/>
+    <dgm:txPr/>
+    <dgm:style>
+      <a:lnRef idx="2">
+        <a:scrgbClr r="0" g="0" b="0"/>
+      </a:lnRef>
+      <a:fillRef idx="0">
+        <a:scrgbClr r="0" g="0" b="0"/>
+      </a:fillRef>
+      <a:effectRef idx="0">
+        <a:scrgbClr r="0" g="0" b="0"/>
+      </a:effectRef>
+      <a:fontRef idx="minor"/>
+    </dgm:style>
+  </dgm:styleLbl>
+  <dgm:styleLbl name="parChTrans1D3">
+    <dgm:scene3d>
+      <a:camera prst="orthographicFront"/>
+      <a:lightRig rig="chilly" dir="t"/>
+    </dgm:scene3d>
+    <dgm:sp3d z="-40000" prstMaterial="matte"/>
+    <dgm:txPr/>
+    <dgm:style>
+      <a:lnRef idx="2">
+        <a:scrgbClr r="0" g="0" b="0"/>
+      </a:lnRef>
+      <a:fillRef idx="0">
+        <a:scrgbClr r="0" g="0" b="0"/>
+      </a:fillRef>
+      <a:effectRef idx="0">
+        <a:scrgbClr r="0" g="0" b="0"/>
+      </a:effectRef>
+      <a:fontRef idx="minor"/>
+    </dgm:style>
+  </dgm:styleLbl>
+  <dgm:styleLbl name="parChTrans1D4">
+    <dgm:scene3d>
+      <a:camera prst="orthographicFront"/>
+      <a:lightRig rig="chilly" dir="t"/>
+    </dgm:scene3d>
+    <dgm:sp3d z="-40000" prstMaterial="matte"/>
+    <dgm:txPr/>
+    <dgm:style>
+      <a:lnRef idx="2">
+        <a:scrgbClr r="0" g="0" b="0"/>
+      </a:lnRef>
+      <a:fillRef idx="0">
+        <a:scrgbClr r="0" g="0" b="0"/>
+      </a:fillRef>
+      <a:effectRef idx="0">
+        <a:scrgbClr r="0" g="0" b="0"/>
+      </a:effectRef>
+      <a:fontRef idx="minor"/>
+    </dgm:style>
+  </dgm:styleLbl>
+  <dgm:styleLbl name="fgAcc1">
+    <dgm:scene3d>
+      <a:camera prst="orthographicFront"/>
+      <a:lightRig rig="chilly" dir="t"/>
+    </dgm:scene3d>
+    <dgm:sp3d z="12700" extrusionH="1700" prstMaterial="dkEdge">
+      <a:bevelT w="25400" h="6350" prst="softRound"/>
+      <a:bevelB w="0" h="0" prst="convex"/>
+    </dgm:sp3d>
+    <dgm:txPr/>
+    <dgm:style>
+      <a:lnRef idx="1">
+        <a:scrgbClr r="0" g="0" b="0"/>
+      </a:lnRef>
+      <a:fillRef idx="1">
+        <a:scrgbClr r="0" g="0" b="0"/>
+      </a:fillRef>
+      <a:effectRef idx="0">
+        <a:scrgbClr r="0" g="0" b="0"/>
+      </a:effectRef>
+      <a:fontRef idx="minor"/>
+    </dgm:style>
+  </dgm:styleLbl>
+  <dgm:styleLbl name="conFgAcc1">
+    <dgm:scene3d>
+      <a:camera prst="orthographicFront"/>
+      <a:lightRig rig="chilly" dir="t"/>
+    </dgm:scene3d>
+    <dgm:sp3d z="12700" extrusionH="1700" prstMaterial="dkEdge">
+      <a:bevelT w="25400" h="6350" prst="softRound"/>
+      <a:bevelB w="0" h="0" prst="convex"/>
+    </dgm:sp3d>
+    <dgm:txPr/>
+    <dgm:style>
+      <a:lnRef idx="1">
+        <a:scrgbClr r="0" g="0" b="0"/>
+      </a:lnRef>
+      <a:fillRef idx="1">
+        <a:scrgbClr r="0" g="0" b="0"/>
+      </a:fillRef>
+      <a:effectRef idx="0">
+        <a:scrgbClr r="0" g="0" b="0"/>
+      </a:effectRef>
+      <a:fontRef idx="minor"/>
+    </dgm:style>
+  </dgm:styleLbl>
+  <dgm:styleLbl name="alignAcc1">
+    <dgm:scene3d>
+      <a:camera prst="orthographicFront"/>
+      <a:lightRig rig="chilly" dir="t"/>
+    </dgm:scene3d>
+    <dgm:sp3d prstMaterial="dkEdge">
+      <a:bevelT w="25400" h="6350" prst="softRound"/>
+      <a:bevelB w="0" h="0" prst="convex"/>
+    </dgm:sp3d>
+    <dgm:txPr/>
+    <dgm:style>
+      <a:lnRef idx="1">
+        <a:scrgbClr r="0" g="0" b="0"/>
+      </a:lnRef>
+      <a:fillRef idx="1">
+        <a:scrgbClr r="0" g="0" b="0"/>
+      </a:fillRef>
+      <a:effectRef idx="0">
+        <a:scrgbClr r="0" g="0" b="0"/>
+      </a:effectRef>
+      <a:fontRef idx="minor"/>
+    </dgm:style>
+  </dgm:styleLbl>
+  <dgm:styleLbl name="trAlignAcc1">
+    <dgm:scene3d>
+      <a:camera prst="orthographicFront"/>
+      <a:lightRig rig="chilly" dir="t"/>
+    </dgm:scene3d>
+    <dgm:sp3d prstMaterial="dkEdge">
+      <a:bevelT w="127000" h="25400"/>
+    </dgm:sp3d>
+    <dgm:txPr/>
+    <dgm:style>
+      <a:lnRef idx="1">
+        <a:scrgbClr r="0" g="0" b="0"/>
+      </a:lnRef>
+      <a:fillRef idx="1">
+        <a:scrgbClr r="0" g="0" b="0"/>
+      </a:fillRef>
+      <a:effectRef idx="0">
+        <a:scrgbClr r="0" g="0" b="0"/>
+      </a:effectRef>
+      <a:fontRef idx="minor">
+        <a:schemeClr val="lt1"/>
+      </a:fontRef>
+    </dgm:style>
+  </dgm:styleLbl>
+  <dgm:styleLbl name="bgAcc1">
+    <dgm:scene3d>
+      <a:camera prst="orthographicFront"/>
+      <a:lightRig rig="chilly" dir="t"/>
+    </dgm:scene3d>
+    <dgm:sp3d z="-12700" extrusionH="1700" prstMaterial="dkEdge">
+      <a:bevelT w="25400" h="6350" prst="softRound"/>
+      <a:bevelB w="0" h="0" prst="convex"/>
+    </dgm:sp3d>
+    <dgm:txPr/>
+    <dgm:style>
+      <a:lnRef idx="1">
+        <a:scrgbClr r="0" g="0" b="0"/>
+      </a:lnRef>
+      <a:fillRef idx="1">
+        <a:scrgbClr r="0" g="0" b="0"/>
+      </a:fillRef>
+      <a:effectRef idx="0">
+        <a:scrgbClr r="0" g="0" b="0"/>
+      </a:effectRef>
+      <a:fontRef idx="minor"/>
+    </dgm:style>
+  </dgm:styleLbl>
+  <dgm:styleLbl name="solidFgAcc1">
+    <dgm:scene3d>
+      <a:camera prst="orthographicFront"/>
+      <a:lightRig rig="chilly" dir="t"/>
+    </dgm:scene3d>
+    <dgm:sp3d z="12700" extrusionH="1700" prstMaterial="dkEdge">
+      <a:bevelT w="25400" h="6350" prst="softRound"/>
+      <a:bevelB w="0" h="0" prst="convex"/>
+    </dgm:sp3d>
+    <dgm:txPr/>
+    <dgm:style>
+      <a:lnRef idx="1">
+        <a:scrgbClr r="0" g="0" b="0"/>
+      </a:lnRef>
+      <a:fillRef idx="1">
+        <a:scrgbClr r="0" g="0" b="0"/>
+      </a:fillRef>
+      <a:effectRef idx="0">
+        <a:scrgbClr r="0" g="0" b="0"/>
+      </a:effectRef>
+      <a:fontRef idx="minor"/>
+    </dgm:style>
+  </dgm:styleLbl>
+  <dgm:styleLbl name="solidAlignAcc1">
+    <dgm:scene3d>
+      <a:camera prst="orthographicFront"/>
+      <a:lightRig rig="chilly" dir="t"/>
+    </dgm:scene3d>
+    <dgm:sp3d extrusionH="1700" prstMaterial="dkEdge">
+      <a:bevelT w="25400" h="6350" prst="softRound"/>
+      <a:bevelB w="0" h="0" prst="convex"/>
+    </dgm:sp3d>
+    <dgm:txPr/>
+    <dgm:style>
+      <a:lnRef idx="1">
+        <a:scrgbClr r="0" g="0" b="0"/>
+      </a:lnRef>
+      <a:fillRef idx="1">
+        <a:scrgbClr r="0" g="0" b="0"/>
+      </a:fillRef>
+      <a:effectRef idx="0">
+        <a:scrgbClr r="0" g="0" b="0"/>
+      </a:effectRef>
+      <a:fontRef idx="minor"/>
+    </dgm:style>
+  </dgm:styleLbl>
+  <dgm:styleLbl name="solidBgAcc1">
+    <dgm:scene3d>
+      <a:camera prst="orthographicFront"/>
+      <a:lightRig rig="chilly" dir="t"/>
+    </dgm:scene3d>
+    <dgm:sp3d z="-12700" extrusionH="1700" prstMaterial="dkEdge">
+      <a:bevelT w="25400" h="6350" prst="softRound"/>
+      <a:bevelB w="0" h="0" prst="convex"/>
+    </dgm:sp3d>
+    <dgm:txPr/>
+    <dgm:style>
+      <a:lnRef idx="1">
+        <a:scrgbClr r="0" g="0" b="0"/>
+      </a:lnRef>
+      <a:fillRef idx="1">
+        <a:scrgbClr r="0" g="0" b="0"/>
+      </a:fillRef>
+      <a:effectRef idx="0">
+        <a:scrgbClr r="0" g="0" b="0"/>
+      </a:effectRef>
+      <a:fontRef idx="minor"/>
+    </dgm:style>
+  </dgm:styleLbl>
+  <dgm:styleLbl name="fgAccFollowNode1">
+    <dgm:scene3d>
+      <a:camera prst="orthographicFront"/>
+      <a:lightRig rig="chilly" dir="t"/>
+    </dgm:scene3d>
+    <dgm:sp3d z="12700" extrusionH="1700" prstMaterial="dkEdge">
+      <a:bevelT w="25400" h="6350" prst="softRound"/>
+      <a:bevelB w="0" h="0" prst="convex"/>
+    </dgm:sp3d>
+    <dgm:txPr/>
+    <dgm:style>
+      <a:lnRef idx="1">
+        <a:scrgbClr r="0" g="0" b="0"/>
+      </a:lnRef>
+      <a:fillRef idx="1">
+        <a:scrgbClr r="0" g="0" b="0"/>
+      </a:fillRef>
+      <a:effectRef idx="0">
+        <a:scrgbClr r="0" g="0" b="0"/>
+      </a:effectRef>
+      <a:fontRef idx="minor"/>
+    </dgm:style>
+  </dgm:styleLbl>
+  <dgm:styleLbl name="alignAccFollowNode1">
+    <dgm:scene3d>
+      <a:camera prst="orthographicFront"/>
+      <a:lightRig rig="chilly" dir="t"/>
+    </dgm:scene3d>
+    <dgm:sp3d extrusionH="1700" prstMaterial="dkEdge">
+      <a:bevelT w="25400" h="6350" prst="softRound"/>
+      <a:bevelB w="0" h="0" prst="convex"/>
+    </dgm:sp3d>
+    <dgm:txPr/>
+    <dgm:style>
+      <a:lnRef idx="1">
+        <a:scrgbClr r="0" g="0" b="0"/>
+      </a:lnRef>
+      <a:fillRef idx="1">
+        <a:scrgbClr r="0" g="0" b="0"/>
+      </a:fillRef>
+      <a:effectRef idx="0">
+        <a:scrgbClr r="0" g="0" b="0"/>
+      </a:effectRef>
+      <a:fontRef idx="minor"/>
+    </dgm:style>
+  </dgm:styleLbl>
+  <dgm:styleLbl name="bgAccFollowNode1">
+    <dgm:scene3d>
+      <a:camera prst="orthographicFront"/>
+      <a:lightRig rig="chilly" dir="t"/>
+    </dgm:scene3d>
+    <dgm:sp3d z="-12700" extrusionH="1700" prstMaterial="dkEdge">
+      <a:bevelT w="25400" h="6350" prst="softRound"/>
+      <a:bevelB w="0" h="0" prst="convex"/>
+    </dgm:sp3d>
+    <dgm:txPr/>
+    <dgm:style>
+      <a:lnRef idx="1">
+        <a:scrgbClr r="0" g="0" b="0"/>
+      </a:lnRef>
+      <a:fillRef idx="1">
+        <a:scrgbClr r="0" g="0" b="0"/>
+      </a:fillRef>
+      <a:effectRef idx="0">
+        <a:scrgbClr r="0" g="0" b="0"/>
+      </a:effectRef>
+      <a:fontRef idx="minor"/>
+    </dgm:style>
+  </dgm:styleLbl>
+  <dgm:styleLbl name="fgAcc0">
+    <dgm:scene3d>
+      <a:camera prst="orthographicFront"/>
+      <a:lightRig rig="chilly" dir="t"/>
+    </dgm:scene3d>
+    <dgm:sp3d z="12700" extrusionH="1700" prstMaterial="dkEdge">
+      <a:bevelT w="25400" h="6350" prst="softRound"/>
+      <a:bevelB w="0" h="0" prst="convex"/>
+    </dgm:sp3d>
+    <dgm:txPr/>
+    <dgm:style>
+      <a:lnRef idx="1">
+        <a:scrgbClr r="0" g="0" b="0"/>
+      </a:lnRef>
+      <a:fillRef idx="1">
+        <a:scrgbClr r="0" g="0" b="0"/>
+      </a:fillRef>
+      <a:effectRef idx="0">
+        <a:scrgbClr r="0" g="0" b="0"/>
+      </a:effectRef>
+      <a:fontRef idx="minor"/>
+    </dgm:style>
+  </dgm:styleLbl>
+  <dgm:styleLbl name="fgAcc2">
+    <dgm:scene3d>
+      <a:camera prst="orthographicFront"/>
+      <a:lightRig rig="chilly" dir="t"/>
+    </dgm:scene3d>
+    <dgm:sp3d z="12700" extrusionH="1700" prstMaterial="dkEdge">
+      <a:bevelT w="25400" h="6350" prst="softRound"/>
+      <a:bevelB w="0" h="0" prst="convex"/>
+    </dgm:sp3d>
+    <dgm:txPr/>
+    <dgm:style>
+      <a:lnRef idx="1">
+        <a:scrgbClr r="0" g="0" b="0"/>
+      </a:lnRef>
+      <a:fillRef idx="1">
+        <a:scrgbClr r="0" g="0" b="0"/>
+      </a:fillRef>
+      <a:effectRef idx="0">
+        <a:scrgbClr r="0" g="0" b="0"/>
+      </a:effectRef>
+      <a:fontRef idx="minor"/>
+    </dgm:style>
+  </dgm:styleLbl>
+  <dgm:styleLbl name="fgAcc3">
+    <dgm:scene3d>
+      <a:camera prst="orthographicFront"/>
+      <a:lightRig rig="chilly" dir="t"/>
+    </dgm:scene3d>
+    <dgm:sp3d z="12700" extrusionH="1700" prstMaterial="dkEdge">
+      <a:bevelT w="25400" h="6350" prst="softRound"/>
+      <a:bevelB w="0" h="0" prst="convex"/>
+    </dgm:sp3d>
+    <dgm:txPr/>
+    <dgm:style>
+      <a:lnRef idx="1">
+        <a:scrgbClr r="0" g="0" b="0"/>
+      </a:lnRef>
+      <a:fillRef idx="1">
+        <a:scrgbClr r="0" g="0" b="0"/>
+      </a:fillRef>
+      <a:effectRef idx="0">
+        <a:scrgbClr r="0" g="0" b="0"/>
+      </a:effectRef>
+      <a:fontRef idx="minor"/>
+    </dgm:style>
+  </dgm:styleLbl>
+  <dgm:styleLbl name="fgAcc4">
+    <dgm:scene3d>
+      <a:camera prst="orthographicFront"/>
+      <a:lightRig rig="chilly" dir="t"/>
+    </dgm:scene3d>
+    <dgm:sp3d z="12700" extrusionH="1700" prstMaterial="dkEdge">
+      <a:bevelT w="25400" h="6350" prst="softRound"/>
+      <a:bevelB w="0" h="0" prst="convex"/>
+    </dgm:sp3d>
+    <dgm:txPr/>
+    <dgm:style>
+      <a:lnRef idx="1">
+        <a:scrgbClr r="0" g="0" b="0"/>
+      </a:lnRef>
+      <a:fillRef idx="1">
+        <a:scrgbClr r="0" g="0" b="0"/>
+      </a:fillRef>
+      <a:effectRef idx="0">
+        <a:scrgbClr r="0" g="0" b="0"/>
+      </a:effectRef>
+      <a:fontRef idx="minor"/>
+    </dgm:style>
+  </dgm:styleLbl>
+  <dgm:styleLbl name="bgShp">
+    <dgm:scene3d>
+      <a:camera prst="orthographicFront"/>
+      <a:lightRig rig="chilly" dir="t"/>
+    </dgm:scene3d>
+    <dgm:sp3d z="-12700" extrusionH="1700" prstMaterial="translucentPowder">
+      <a:bevelT w="25400" h="6350" prst="softRound"/>
+      <a:bevelB w="0" h="0" prst="convex"/>
+    </dgm:sp3d>
+    <dgm:txPr/>
+    <dgm:style>
+      <a:lnRef idx="0">
+        <a:scrgbClr r="0" g="0" b="0"/>
+      </a:lnRef>
+      <a:fillRef idx="1">
+        <a:scrgbClr r="0" g="0" b="0"/>
+      </a:fillRef>
+      <a:effectRef idx="0">
+        <a:scrgbClr r="0" g="0" b="0"/>
+      </a:effectRef>
+      <a:fontRef idx="minor"/>
+    </dgm:style>
+  </dgm:styleLbl>
+  <dgm:styleLbl name="dkBgShp">
+    <dgm:scene3d>
+      <a:camera prst="orthographicFront"/>
+      <a:lightRig rig="chilly" dir="t"/>
+    </dgm:scene3d>
+    <dgm:sp3d extrusionH="1700" prstMaterial="translucentPowder">
+      <a:bevelT w="25400" h="6350" prst="softRound"/>
+      <a:bevelB w="0" h="0" prst="convex"/>
+    </dgm:sp3d>
+    <dgm:txPr/>
+    <dgm:style>
+      <a:lnRef idx="0">
+        <a:scrgbClr r="0" g="0" b="0"/>
+      </a:lnRef>
+      <a:fillRef idx="1">
+        <a:scrgbClr r="0" g="0" b="0"/>
+      </a:fillRef>
+      <a:effectRef idx="0">
+        <a:scrgbClr r="0" g="0" b="0"/>
+      </a:effectRef>
+      <a:fontRef idx="minor"/>
+    </dgm:style>
+  </dgm:styleLbl>
+  <dgm:styleLbl name="trBgShp">
+    <dgm:scene3d>
+      <a:camera prst="orthographicFront"/>
+      <a:lightRig rig="chilly" dir="t"/>
+    </dgm:scene3d>
+    <dgm:sp3d z="-152400" prstMaterial="matte"/>
+    <dgm:txPr/>
+    <dgm:style>
+      <a:lnRef idx="0">
+        <a:scrgbClr r="0" g="0" b="0"/>
+      </a:lnRef>
+      <a:fillRef idx="1">
+        <a:scrgbClr r="0" g="0" b="0"/>
+      </a:fillRef>
+      <a:effectRef idx="0">
+        <a:scrgbClr r="0" g="0" b="0"/>
+      </a:effectRef>
+      <a:fontRef idx="minor"/>
+    </dgm:style>
+  </dgm:styleLbl>
+  <dgm:styleLbl name="fgShp">
+    <dgm:scene3d>
+      <a:camera prst="orthographicFront"/>
+      <a:lightRig rig="chilly" dir="t"/>
+    </dgm:scene3d>
+    <dgm:sp3d z="12700" extrusionH="1700" prstMaterial="translucentPowder">
+      <a:bevelT w="25400" h="6350" prst="softRound"/>
+      <a:bevelB w="0" h="0" prst="convex"/>
+    </dgm:sp3d>
+    <dgm:txPr/>
+    <dgm:style>
+      <a:lnRef idx="0">
+        <a:scrgbClr r="0" g="0" b="0"/>
+      </a:lnRef>
+      <a:fillRef idx="1">
+        <a:scrgbClr r="0" g="0" b="0"/>
+      </a:fillRef>
+      <a:effectRef idx="0">
+        <a:scrgbClr r="0" g="0" b="0"/>
+      </a:effectRef>
+      <a:fontRef idx="minor"/>
+    </dgm:style>
+  </dgm:styleLbl>
+  <dgm:styleLbl name="revTx">
+    <dgm:scene3d>
+      <a:camera prst="orthographicFront"/>
+      <a:lightRig rig="threePt" dir="t"/>
+    </dgm:scene3d>
+    <dgm:sp3d/>
+    <dgm:txPr/>
+    <dgm:style>
+      <a:lnRef idx="0">
+        <a:scrgbClr r="0" g="0" b="0"/>
+      </a:lnRef>
+      <a:fillRef idx="0">
+        <a:scrgbClr r="0" g="0" b="0"/>
+      </a:fillRef>
+      <a:effectRef idx="0">
+        <a:scrgbClr r="0" g="0" b="0"/>
+      </a:effectRef>
+      <a:fontRef idx="minor"/>
+    </dgm:style>
+  </dgm:styleLbl>
+</dgm:styleDef>
+</file>
+
+<file path=ppt/notesMasters/notesMaster1.xml><?xml version="1.0" encoding="utf-8"?>
+<p:notesMaster xmlns:a="http://schemas.openxmlformats.org/drawingml/2006/main" xmlns:r="http://schemas.openxmlformats.org/officeDocument/2006/relationships" xmlns:mc="http://schemas.openxmlformats.org/markup-compatibility/2006" xmlns:mv="urn:schemas-microsoft-com:mac:vml" xmlns:p="http://schemas.openxmlformats.org/presentationml/2006/main" mc:Ignorable="mv" mc:PreserveAttributes="mv:*">
+  <p:cSld>
+    <p:bg>
+      <p:bgRef idx="1001">
+        <a:schemeClr val="bg1"/>
+      </p:bgRef>
+    </p:bg>
+    <p:spTree>
+      <p:nvGrpSpPr>
+        <p:cNvPr id="1" name=""/>
+        <p:cNvGrpSpPr/>
+        <p:nvPr/>
+      </p:nvGrpSpPr>
+      <p:grpSpPr>
+        <a:xfrm>
+          <a:off x="0" y="0"/>
+          <a:ext cx="0" cy="0"/>
+          <a:chOff x="0" y="0"/>
+          <a:chExt cx="0" cy="0"/>
+        </a:xfrm>
+      </p:grpSpPr>
+      <p:sp>
+        <p:nvSpPr>
+          <p:cNvPr id="2" name="Header Placeholder 1"/>
+          <p:cNvSpPr>
+            <a:spLocks noGrp="1"/>
+          </p:cNvSpPr>
+          <p:nvPr>
+            <p:ph type="hdr" sz="quarter"/>
+          </p:nvPr>
+        </p:nvSpPr>
+        <p:spPr>
+          <a:xfrm>
+            <a:off x="0" y="0"/>
+            <a:ext cx="2971800" cy="457200"/>
+          </a:xfrm>
+          <a:prstGeom prst="rect">
+            <a:avLst/>
+          </a:prstGeom>
+        </p:spPr>
+        <p:txBody>
+          <a:bodyPr vert="horz" lIns="91440" tIns="45720" rIns="91440" bIns="45720" rtlCol="0"/>
+          <a:lstStyle>
+            <a:lvl1pPr algn="l">
+              <a:defRPr sz="1200"/>
+            </a:lvl1pPr>
+          </a:lstStyle>
+          <a:p>
+            <a:endParaRPr lang="en-US"/>
+          </a:p>
+        </p:txBody>
+      </p:sp>
+      <p:sp>
+        <p:nvSpPr>
+          <p:cNvPr id="3" name="Date Placeholder 2"/>
+          <p:cNvSpPr>
+            <a:spLocks noGrp="1"/>
+          </p:cNvSpPr>
+          <p:nvPr>
+            <p:ph type="dt" idx="1"/>
+          </p:nvPr>
+        </p:nvSpPr>
+        <p:spPr>
+          <a:xfrm>
+            <a:off x="3884613" y="0"/>
+            <a:ext cx="2971800" cy="457200"/>
+          </a:xfrm>
+          <a:prstGeom prst="rect">
+            <a:avLst/>
+          </a:prstGeom>
+        </p:spPr>
+        <p:txBody>
+          <a:bodyPr vert="horz" lIns="91440" tIns="45720" rIns="91440" bIns="45720" rtlCol="0"/>
+          <a:lstStyle>
+            <a:lvl1pPr algn="r">
+              <a:defRPr sz="1200"/>
+            </a:lvl1pPr>
+          </a:lstStyle>
+          <a:p>
+            <a:fld id="{55594ABD-D068-7B4E-896F-C4C715C35F14}" type="datetimeFigureOut">
+              <a:rPr lang="en-US" smtClean="0"/>
+              <a:t>2/25/16</a:t>
+            </a:fld>
+            <a:endParaRPr lang="en-US"/>
+          </a:p>
+        </p:txBody>
+      </p:sp>
+      <p:sp>
+        <p:nvSpPr>
+          <p:cNvPr id="4" name="Slide Image Placeholder 3"/>
+          <p:cNvSpPr>
+            <a:spLocks noGrp="1" noRot="1" noChangeAspect="1"/>
+          </p:cNvSpPr>
+          <p:nvPr>
+            <p:ph type="sldImg" idx="2"/>
+          </p:nvPr>
+        </p:nvSpPr>
+        <p:spPr>
+          <a:xfrm>
+            <a:off x="1143000" y="685800"/>
+            <a:ext cx="4572000" cy="3429000"/>
+          </a:xfrm>
+          <a:prstGeom prst="rect">
+            <a:avLst/>
+          </a:prstGeom>
+          <a:noFill/>
+          <a:ln w="12700">
+            <a:solidFill>
+              <a:prstClr val="black"/>
+            </a:solidFill>
+          </a:ln>
+        </p:spPr>
+        <p:txBody>
+          <a:bodyPr vert="horz" lIns="91440" tIns="45720" rIns="91440" bIns="45720" rtlCol="0" anchor="ctr"/>
+          <a:lstStyle/>
+          <a:p>
+            <a:endParaRPr lang="en-US"/>
+          </a:p>
+        </p:txBody>
+      </p:sp>
+      <p:sp>
+        <p:nvSpPr>
+          <p:cNvPr id="5" name="Notes Placeholder 4"/>
+          <p:cNvSpPr>
+            <a:spLocks noGrp="1"/>
+          </p:cNvSpPr>
+          <p:nvPr>
+            <p:ph type="body" sz="quarter" idx="3"/>
+          </p:nvPr>
+        </p:nvSpPr>
+        <p:spPr>
+          <a:xfrm>
+            <a:off x="685800" y="4343400"/>
+            <a:ext cx="5486400" cy="4114800"/>
+          </a:xfrm>
+          <a:prstGeom prst="rect">
+            <a:avLst/>
+          </a:prstGeom>
+        </p:spPr>
+        <p:txBody>
+          <a:bodyPr vert="horz" lIns="91440" tIns="45720" rIns="91440" bIns="45720" rtlCol="0">
+            <a:normAutofit/>
+          </a:bodyPr>
+          <a:lstStyle/>
+          <a:p>
+            <a:pPr lvl="0"/>
+            <a:r>
+              <a:rPr lang="en-US" smtClean="0"/>
+              <a:t>Click to edit Master text styles</a:t>
+            </a:r>
+          </a:p>
+          <a:p>
+            <a:pPr lvl="1"/>
+            <a:r>
+              <a:rPr lang="en-US" smtClean="0"/>
+              <a:t>Second level</a:t>
+            </a:r>
+          </a:p>
+          <a:p>
+            <a:pPr lvl="2"/>
+            <a:r>
+              <a:rPr lang="en-US" smtClean="0"/>
+              <a:t>Third level</a:t>
+            </a:r>
+          </a:p>
+          <a:p>
+            <a:pPr lvl="3"/>
+            <a:r>
+              <a:rPr lang="en-US" smtClean="0"/>
+              <a:t>Fourth level</a:t>
+            </a:r>
+          </a:p>
+          <a:p>
+            <a:pPr lvl="4"/>
+            <a:r>
+              <a:rPr lang="en-US" smtClean="0"/>
+              <a:t>Fifth level</a:t>
+            </a:r>
+            <a:endParaRPr lang="en-US"/>
+          </a:p>
+        </p:txBody>
+      </p:sp>
+      <p:sp>
+        <p:nvSpPr>
+          <p:cNvPr id="6" name="Footer Placeholder 5"/>
+          <p:cNvSpPr>
+            <a:spLocks noGrp="1"/>
+          </p:cNvSpPr>
+          <p:nvPr>
+            <p:ph type="ftr" sz="quarter" idx="4"/>
+          </p:nvPr>
+        </p:nvSpPr>
+        <p:spPr>
+          <a:xfrm>
+            <a:off x="0" y="8685213"/>
+            <a:ext cx="2971800" cy="457200"/>
+          </a:xfrm>
+          <a:prstGeom prst="rect">
+            <a:avLst/>
+          </a:prstGeom>
+        </p:spPr>
+        <p:txBody>
+          <a:bodyPr vert="horz" lIns="91440" tIns="45720" rIns="91440" bIns="45720" rtlCol="0" anchor="b"/>
+          <a:lstStyle>
+            <a:lvl1pPr algn="l">
+              <a:defRPr sz="1200"/>
+            </a:lvl1pPr>
+          </a:lstStyle>
+          <a:p>
+            <a:endParaRPr lang="en-US"/>
+          </a:p>
+        </p:txBody>
+      </p:sp>
+      <p:sp>
+        <p:nvSpPr>
+          <p:cNvPr id="7" name="Slide Number Placeholder 6"/>
+          <p:cNvSpPr>
+            <a:spLocks noGrp="1"/>
+          </p:cNvSpPr>
+          <p:nvPr>
+            <p:ph type="sldNum" sz="quarter" idx="5"/>
+          </p:nvPr>
+        </p:nvSpPr>
+        <p:spPr>
+          <a:xfrm>
+            <a:off x="3884613" y="8685213"/>
+            <a:ext cx="2971800" cy="457200"/>
+          </a:xfrm>
+          <a:prstGeom prst="rect">
+            <a:avLst/>
+          </a:prstGeom>
+        </p:spPr>
+        <p:txBody>
+          <a:bodyPr vert="horz" lIns="91440" tIns="45720" rIns="91440" bIns="45720" rtlCol="0" anchor="b"/>
+          <a:lstStyle>
+            <a:lvl1pPr algn="r">
+              <a:defRPr sz="1200"/>
+            </a:lvl1pPr>
+          </a:lstStyle>
+          <a:p>
+            <a:fld id="{0D3687AD-B4F4-1241-82A6-C596110122BE}" type="slidenum">
+              <a:rPr lang="en-US" smtClean="0"/>
+              <a:t>‹#›</a:t>
+            </a:fld>
+            <a:endParaRPr lang="en-US"/>
+          </a:p>
+        </p:txBody>
+      </p:sp>
+    </p:spTree>
+  </p:cSld>
+  <p:clrMap bg1="lt1" tx1="dk1" bg2="lt2" tx2="dk2" accent1="accent1" accent2="accent2" accent3="accent3" accent4="accent4" accent5="accent5" accent6="accent6" hlink="hlink" folHlink="folHlink"/>
+  <p:notesStyle>
+    <a:lvl1pPr marL="0" algn="l" defTabSz="457200" rtl="0" eaLnBrk="1" latinLnBrk="0" hangingPunct="1">
+      <a:defRPr sz="1200" kern="1200">
+        <a:solidFill>
+          <a:schemeClr val="tx1"/>
+        </a:solidFill>
+        <a:latin typeface="+mn-lt"/>
+        <a:ea typeface="+mn-ea"/>
+        <a:cs typeface="+mn-cs"/>
+      </a:defRPr>
+    </a:lvl1pPr>
+    <a:lvl2pPr marL="457200" algn="l" defTabSz="457200" rtl="0" eaLnBrk="1" latinLnBrk="0" hangingPunct="1">
+      <a:defRPr sz="1200" kern="1200">
+        <a:solidFill>
+          <a:schemeClr val="tx1"/>
+        </a:solidFill>
+        <a:latin typeface="+mn-lt"/>
+        <a:ea typeface="+mn-ea"/>
+        <a:cs typeface="+mn-cs"/>
+      </a:defRPr>
+    </a:lvl2pPr>
+    <a:lvl3pPr marL="914400" algn="l" defTabSz="457200" rtl="0" eaLnBrk="1" latinLnBrk="0" hangingPunct="1">
+      <a:defRPr sz="1200" kern="1200">
+        <a:solidFill>
+          <a:schemeClr val="tx1"/>
+        </a:solidFill>
+        <a:latin typeface="+mn-lt"/>
+        <a:ea typeface="+mn-ea"/>
+        <a:cs typeface="+mn-cs"/>
+      </a:defRPr>
+    </a:lvl3pPr>
+    <a:lvl4pPr marL="1371600" algn="l" defTabSz="457200" rtl="0" eaLnBrk="1" latinLnBrk="0" hangingPunct="1">
+      <a:defRPr sz="1200" kern="1200">
+        <a:solidFill>
+          <a:schemeClr val="tx1"/>
+        </a:solidFill>
+        <a:latin typeface="+mn-lt"/>
+        <a:ea typeface="+mn-ea"/>
+        <a:cs typeface="+mn-cs"/>
+      </a:defRPr>
+    </a:lvl4pPr>
+    <a:lvl5pPr marL="1828800" algn="l" defTabSz="457200" rtl="0" eaLnBrk="1" latinLnBrk="0" hangingPunct="1">
+      <a:defRPr sz="1200" kern="1200">
+        <a:solidFill>
+          <a:schemeClr val="tx1"/>
+        </a:solidFill>
+        <a:latin typeface="+mn-lt"/>
+        <a:ea typeface="+mn-ea"/>
+        <a:cs typeface="+mn-cs"/>
+      </a:defRPr>
+    </a:lvl5pPr>
+    <a:lvl6pPr marL="2286000" algn="l" defTabSz="457200" rtl="0" eaLnBrk="1" latinLnBrk="0" hangingPunct="1">
+      <a:defRPr sz="1200" kern="1200">
+        <a:solidFill>
+          <a:schemeClr val="tx1"/>
+        </a:solidFill>
+        <a:latin typeface="+mn-lt"/>
+        <a:ea typeface="+mn-ea"/>
+        <a:cs typeface="+mn-cs"/>
+      </a:defRPr>
+    </a:lvl6pPr>
+    <a:lvl7pPr marL="2743200" algn="l" defTabSz="457200" rtl="0" eaLnBrk="1" latinLnBrk="0" hangingPunct="1">
+      <a:defRPr sz="1200" kern="1200">
+        <a:solidFill>
+          <a:schemeClr val="tx1"/>
+        </a:solidFill>
+        <a:latin typeface="+mn-lt"/>
+        <a:ea typeface="+mn-ea"/>
+        <a:cs typeface="+mn-cs"/>
+      </a:defRPr>
+    </a:lvl7pPr>
+    <a:lvl8pPr marL="3200400" algn="l" defTabSz="457200" rtl="0" eaLnBrk="1" latinLnBrk="0" hangingPunct="1">
+      <a:defRPr sz="1200" kern="1200">
+        <a:solidFill>
+          <a:schemeClr val="tx1"/>
+        </a:solidFill>
+        <a:latin typeface="+mn-lt"/>
+        <a:ea typeface="+mn-ea"/>
+        <a:cs typeface="+mn-cs"/>
+      </a:defRPr>
+    </a:lvl8pPr>
+    <a:lvl9pPr marL="3657600" algn="l" defTabSz="457200" rtl="0" eaLnBrk="1" latinLnBrk="0" hangingPunct="1">
+      <a:defRPr sz="1200" kern="1200">
+        <a:solidFill>
+          <a:schemeClr val="tx1"/>
+        </a:solidFill>
+        <a:latin typeface="+mn-lt"/>
+        <a:ea typeface="+mn-ea"/>
+        <a:cs typeface="+mn-cs"/>
+      </a:defRPr>
+    </a:lvl9pPr>
+  </p:notesStyle>
+</p:notesMaster>
+</file>
+
+<file path=ppt/notesSlides/notesSlide1.xml><?xml version="1.0" encoding="utf-8"?>
+<p:notes xmlns:a="http://schemas.openxmlformats.org/drawingml/2006/main" xmlns:r="http://schemas.openxmlformats.org/officeDocument/2006/relationships" xmlns:mc="http://schemas.openxmlformats.org/markup-compatibility/2006" xmlns:mv="urn:schemas-microsoft-com:mac:vml" xmlns:p="http://schemas.openxmlformats.org/presentationml/2006/main" mc:Ignorable="mv" mc:PreserveAttributes="mv:*">
+  <p:cSld>
+    <p:spTree>
+      <p:nvGrpSpPr>
+        <p:cNvPr id="1" name=""/>
+        <p:cNvGrpSpPr/>
+        <p:nvPr/>
+      </p:nvGrpSpPr>
+      <p:grpSpPr>
+        <a:xfrm>
+          <a:off x="0" y="0"/>
+          <a:ext cx="0" cy="0"/>
+          <a:chOff x="0" y="0"/>
+          <a:chExt cx="0" cy="0"/>
+        </a:xfrm>
+      </p:grpSpPr>
+      <p:sp>
+        <p:nvSpPr>
+          <p:cNvPr id="2" name="Slide Image Placeholder 1"/>
+          <p:cNvSpPr>
+            <a:spLocks noGrp="1" noRot="1" noChangeAspect="1"/>
+          </p:cNvSpPr>
+          <p:nvPr>
+            <p:ph type="sldImg"/>
+          </p:nvPr>
+        </p:nvSpPr>
+        <p:spPr/>
+      </p:sp>
+      <p:sp>
+        <p:nvSpPr>
+          <p:cNvPr id="3" name="Notes Placeholder 2"/>
+          <p:cNvSpPr>
+            <a:spLocks noGrp="1"/>
+          </p:cNvSpPr>
+          <p:nvPr>
+            <p:ph type="body" idx="1"/>
+          </p:nvPr>
+        </p:nvSpPr>
+        <p:spPr/>
+        <p:txBody>
+          <a:bodyPr>
+            <a:normAutofit/>
+          </a:bodyPr>
+          <a:lstStyle/>
+          <a:p>
+            <a:endParaRPr lang="en-US" dirty="0"/>
+          </a:p>
+        </p:txBody>
+      </p:sp>
+      <p:sp>
+        <p:nvSpPr>
+          <p:cNvPr id="4" name="Slide Number Placeholder 3"/>
+          <p:cNvSpPr>
+            <a:spLocks noGrp="1"/>
+          </p:cNvSpPr>
+          <p:nvPr>
+            <p:ph type="sldNum" sz="quarter" idx="10"/>
+          </p:nvPr>
+        </p:nvSpPr>
+        <p:spPr/>
+        <p:txBody>
+          <a:bodyPr/>
+          <a:lstStyle/>
+          <a:p>
+            <a:fld id="{0D3687AD-B4F4-1241-82A6-C596110122BE}" type="slidenum">
+              <a:rPr lang="en-US" smtClean="0"/>
+              <a:t>3</a:t>
+            </a:fld>
+            <a:endParaRPr lang="en-US"/>
+          </a:p>
+        </p:txBody>
+      </p:sp>
+    </p:spTree>
+  </p:cSld>
+  <p:clrMapOvr>
+    <a:masterClrMapping/>
+  </p:clrMapOvr>
+</p:notes>
 </file>
 
 <file path=ppt/slideLayouts/slideLayout1.xml><?xml version="1.0" encoding="utf-8"?>
@@ -3997,6 +6986,13 @@
   <p:clrMapOvr>
     <a:masterClrMapping/>
   </p:clrMapOvr>
+  <p:timing>
+    <p:tnLst>
+      <p:par>
+        <p:cTn id="1" dur="indefinite" restart="never" nodeType="tmRoot"/>
+      </p:par>
+    </p:tnLst>
+  </p:timing>
 </p:sld>
 </file>
 
@@ -4074,6 +7070,13 @@
   <p:clrMapOvr>
     <a:masterClrMapping/>
   </p:clrMapOvr>
+  <p:timing>
+    <p:tnLst>
+      <p:par>
+        <p:cTn id="1" dur="indefinite" restart="never" nodeType="tmRoot"/>
+      </p:par>
+    </p:tnLst>
+  </p:timing>
 </p:sld>
 </file>
 
@@ -4155,7 +7158,7 @@
             </a:pPr>
             <a:r>
               <a:rPr lang="en-US" dirty="0" smtClean="0"/>
-              <a:t>Introduction to light scattering and cooperative effects</a:t>
+              <a:t>Introduction: light scattering and cooperative effects</a:t>
             </a:r>
           </a:p>
           <a:p>
@@ -4221,6 +7224,13 @@
   <p:clrMapOvr>
     <a:masterClrMapping/>
   </p:clrMapOvr>
+  <p:timing>
+    <p:tnLst>
+      <p:par>
+        <p:cTn id="1" dur="indefinite" restart="never" nodeType="tmRoot"/>
+      </p:par>
+    </p:tnLst>
+  </p:timing>
 </p:sld>
 </file>
 
@@ -4268,14 +7278,7 @@
                 <a:latin typeface="Arial Rounded MT Bold"/>
                 <a:cs typeface="Arial Rounded MT Bold"/>
               </a:rPr>
-              <a:t>D</a:t>
-            </a:r>
-            <a:r>
-              <a:rPr lang="en-US" sz="3700" dirty="0" smtClean="0">
-                <a:latin typeface="Arial Rounded MT Bold"/>
-                <a:cs typeface="Arial Rounded MT Bold"/>
-              </a:rPr>
-              <a:t>ifferent models of light scattering</a:t>
+              <a:t>Classical models of light scattering</a:t>
             </a:r>
             <a:endParaRPr lang="en-US" sz="3700" dirty="0">
               <a:latin typeface="Arial Rounded MT Bold"/>
@@ -4363,11 +7366,114 @@
           </a:p>
         </p:txBody>
       </p:sp>
+      <p:pic>
+        <p:nvPicPr>
+          <p:cNvPr id="6" name="Picture 5" descr="01.png"/>
+          <p:cNvPicPr>
+            <a:picLocks noChangeAspect="1"/>
+          </p:cNvPicPr>
+          <p:nvPr/>
+        </p:nvPicPr>
+        <p:blipFill>
+          <a:blip r:embed="rId2"/>
+          <a:stretch>
+            <a:fillRect/>
+          </a:stretch>
+        </p:blipFill>
+        <p:spPr>
+          <a:xfrm>
+            <a:off x="3165224" y="2598743"/>
+            <a:ext cx="2484056" cy="640334"/>
+          </a:xfrm>
+          <a:prstGeom prst="rect">
+            <a:avLst/>
+          </a:prstGeom>
+        </p:spPr>
+      </p:pic>
+      <p:pic>
+        <p:nvPicPr>
+          <p:cNvPr id="7" name="Picture 6" descr="02.png"/>
+          <p:cNvPicPr>
+            <a:picLocks noChangeAspect="1"/>
+          </p:cNvPicPr>
+          <p:nvPr/>
+        </p:nvPicPr>
+        <p:blipFill>
+          <a:blip r:embed="rId3"/>
+          <a:stretch>
+            <a:fillRect/>
+          </a:stretch>
+        </p:blipFill>
+        <p:spPr>
+          <a:xfrm>
+            <a:off x="4193191" y="2055817"/>
+            <a:ext cx="1216923" cy="334380"/>
+          </a:xfrm>
+          <a:prstGeom prst="rect">
+            <a:avLst/>
+          </a:prstGeom>
+        </p:spPr>
+      </p:pic>
+      <p:pic>
+        <p:nvPicPr>
+          <p:cNvPr id="8" name="Picture 7" descr="03.png"/>
+          <p:cNvPicPr>
+            <a:picLocks noChangeAspect="1"/>
+          </p:cNvPicPr>
+          <p:nvPr/>
+        </p:nvPicPr>
+        <p:blipFill>
+          <a:blip r:embed="rId4"/>
+          <a:stretch>
+            <a:fillRect/>
+          </a:stretch>
+        </p:blipFill>
+        <p:spPr>
+          <a:xfrm>
+            <a:off x="3416944" y="3454535"/>
+            <a:ext cx="1222536" cy="332340"/>
+          </a:xfrm>
+          <a:prstGeom prst="rect">
+            <a:avLst/>
+          </a:prstGeom>
+        </p:spPr>
+      </p:pic>
+      <p:pic>
+        <p:nvPicPr>
+          <p:cNvPr id="9" name="Picture 8" descr="04.png"/>
+          <p:cNvPicPr>
+            <a:picLocks noChangeAspect="1"/>
+          </p:cNvPicPr>
+          <p:nvPr/>
+        </p:nvPicPr>
+        <p:blipFill>
+          <a:blip r:embed="rId5"/>
+          <a:stretch>
+            <a:fillRect/>
+          </a:stretch>
+        </p:blipFill>
+        <p:spPr>
+          <a:xfrm>
+            <a:off x="989655" y="5367704"/>
+            <a:ext cx="6993562" cy="733196"/>
+          </a:xfrm>
+          <a:prstGeom prst="rect">
+            <a:avLst/>
+          </a:prstGeom>
+        </p:spPr>
+      </p:pic>
     </p:spTree>
   </p:cSld>
   <p:clrMapOvr>
     <a:masterClrMapping/>
   </p:clrMapOvr>
+  <p:timing>
+    <p:tnLst>
+      <p:par>
+        <p:cTn id="1" dur="indefinite" restart="never" nodeType="tmRoot"/>
+      </p:par>
+    </p:tnLst>
+  </p:timing>
 </p:sld>
 </file>
 
@@ -4415,14 +7521,14 @@
                 <a:latin typeface="Arial Rounded MT Bold"/>
                 <a:cs typeface="Arial Rounded MT Bold"/>
               </a:rPr>
-              <a:t>D</a:t>
+              <a:t>L</a:t>
             </a:r>
             <a:r>
               <a:rPr lang="en-US" sz="3700" dirty="0" smtClean="0">
                 <a:latin typeface="Arial Rounded MT Bold"/>
                 <a:cs typeface="Arial Rounded MT Bold"/>
               </a:rPr>
-              <a:t>ifferent models of light scattering</a:t>
+              <a:t>ight scattering in quantum optics</a:t>
             </a:r>
             <a:endParaRPr lang="en-US" sz="3700" dirty="0">
               <a:latin typeface="Arial Rounded MT Bold"/>
@@ -4443,17 +7549,78 @@
         </p:nvSpPr>
         <p:spPr/>
         <p:txBody>
-          <a:bodyPr/>
+          <a:bodyPr>
+            <a:normAutofit/>
+          </a:bodyPr>
           <a:lstStyle/>
+          <a:p>
+            <a:pPr marL="514350" indent="-514350">
+              <a:spcAft>
+                <a:spcPts val="2400"/>
+              </a:spcAft>
+              <a:buFont typeface="+mj-lt"/>
+              <a:buAutoNum type="arabicPeriod"/>
+            </a:pPr>
+            <a:r>
+              <a:rPr lang="en-US" dirty="0" smtClean="0"/>
+              <a:t>V</a:t>
+            </a:r>
+            <a:r>
+              <a:rPr lang="en-US" dirty="0" smtClean="0"/>
+              <a:t>erify the existence of Bose-Einstein condensate;</a:t>
+            </a:r>
+          </a:p>
+          <a:p>
+            <a:pPr marL="514350" indent="-514350">
+              <a:spcAft>
+                <a:spcPts val="2400"/>
+              </a:spcAft>
+              <a:buFont typeface="+mj-lt"/>
+              <a:buAutoNum type="arabicPeriod"/>
+            </a:pPr>
+            <a:r>
+              <a:rPr lang="en-US" dirty="0" smtClean="0"/>
+              <a:t>Probe quantum statistics of atoms in an optical lattice;</a:t>
+            </a:r>
+          </a:p>
+          <a:p>
+            <a:pPr marL="514350" indent="-514350">
+              <a:spcAft>
+                <a:spcPts val="2400"/>
+              </a:spcAft>
+              <a:buFont typeface="+mj-lt"/>
+              <a:buAutoNum type="arabicPeriod"/>
+            </a:pPr>
+            <a:r>
+              <a:rPr lang="en-US" dirty="0" smtClean="0"/>
+              <a:t>Determine the relative phase of two Bose-Einstein condensates;</a:t>
+            </a:r>
+          </a:p>
+          <a:p>
+            <a:pPr marL="514350" indent="-514350">
+              <a:spcAft>
+                <a:spcPts val="2400"/>
+              </a:spcAft>
+              <a:buFont typeface="+mj-lt"/>
+              <a:buAutoNum type="arabicPeriod"/>
+            </a:pPr>
+            <a:r>
+              <a:rPr lang="en-US" dirty="0" smtClean="0"/>
+              <a:t>Monitor number of atoms in a BEC as they oscillate between two sides of a double-well trap.</a:t>
+            </a:r>
+          </a:p>
           <a:p>
             <a:pPr marL="514350" indent="-514350">
               <a:buFont typeface="+mj-lt"/>
-              <a:buAutoNum type="arabicPeriod" startAt="2"/>
+              <a:buAutoNum type="arabicPeriod"/>
             </a:pPr>
-            <a:r>
-              <a:rPr lang="en-US" dirty="0" smtClean="0"/>
-              <a:t>Mie scattering</a:t>
-            </a:r>
+            <a:endParaRPr lang="en-US" dirty="0" smtClean="0"/>
+          </a:p>
+          <a:p>
+            <a:pPr marL="514350" indent="-514350">
+              <a:buFont typeface="+mj-lt"/>
+              <a:buAutoNum type="arabicPeriod"/>
+            </a:pPr>
             <a:endParaRPr lang="en-US" dirty="0"/>
           </a:p>
         </p:txBody>
@@ -4463,6 +7630,520 @@
   <p:clrMapOvr>
     <a:masterClrMapping/>
   </p:clrMapOvr>
+  <p:timing>
+    <p:tnLst>
+      <p:par>
+        <p:cTn id="1" dur="indefinite" restart="never" nodeType="tmRoot"/>
+      </p:par>
+    </p:tnLst>
+  </p:timing>
+</p:sld>
+</file>
+
+<file path=ppt/slides/slide6.xml><?xml version="1.0" encoding="utf-8"?>
+<p:sld xmlns:a="http://schemas.openxmlformats.org/drawingml/2006/main" xmlns:r="http://schemas.openxmlformats.org/officeDocument/2006/relationships" xmlns:mc="http://schemas.openxmlformats.org/markup-compatibility/2006" xmlns:mv="urn:schemas-microsoft-com:mac:vml" xmlns:p="http://schemas.openxmlformats.org/presentationml/2006/main" mc:Ignorable="mv" mc:PreserveAttributes="mv:*">
+  <p:cSld>
+    <p:spTree>
+      <p:nvGrpSpPr>
+        <p:cNvPr id="1" name=""/>
+        <p:cNvGrpSpPr/>
+        <p:nvPr/>
+      </p:nvGrpSpPr>
+      <p:grpSpPr>
+        <a:xfrm>
+          <a:off x="0" y="0"/>
+          <a:ext cx="0" cy="0"/>
+          <a:chOff x="0" y="0"/>
+          <a:chExt cx="0" cy="0"/>
+        </a:xfrm>
+      </p:grpSpPr>
+      <p:sp>
+        <p:nvSpPr>
+          <p:cNvPr id="2" name="Title 1"/>
+          <p:cNvSpPr>
+            <a:spLocks noGrp="1"/>
+          </p:cNvSpPr>
+          <p:nvPr>
+            <p:ph type="title"/>
+          </p:nvPr>
+        </p:nvSpPr>
+        <p:spPr>
+          <a:xfrm>
+            <a:off x="457200" y="930063"/>
+            <a:ext cx="8377766" cy="1005417"/>
+          </a:xfrm>
+        </p:spPr>
+        <p:txBody>
+          <a:bodyPr>
+            <a:noAutofit/>
+          </a:bodyPr>
+          <a:lstStyle/>
+          <a:p>
+            <a:r>
+              <a:rPr lang="en-US" sz="3700" dirty="0" smtClean="0">
+                <a:latin typeface="Arial Rounded MT Bold"/>
+                <a:cs typeface="Arial Rounded MT Bold"/>
+              </a:rPr>
+              <a:t>   Light-matter interaction</a:t>
+            </a:r>
+            <a:br>
+              <a:rPr lang="en-US" sz="3700" dirty="0" smtClean="0">
+                <a:latin typeface="Arial Rounded MT Bold"/>
+                <a:cs typeface="Arial Rounded MT Bold"/>
+              </a:rPr>
+            </a:br>
+            <a:r>
+              <a:rPr lang="en-US" sz="3700" dirty="0" smtClean="0">
+                <a:latin typeface="Arial Rounded MT Bold"/>
+                <a:cs typeface="Arial Rounded MT Bold"/>
+              </a:rPr>
+              <a:t> 			in a broader context</a:t>
+            </a:r>
+            <a:endParaRPr lang="en-US" sz="3700" dirty="0">
+              <a:latin typeface="Arial Rounded MT Bold"/>
+              <a:cs typeface="Arial Rounded MT Bold"/>
+            </a:endParaRPr>
+          </a:p>
+        </p:txBody>
+      </p:sp>
+      <p:sp>
+        <p:nvSpPr>
+          <p:cNvPr id="3" name="Content Placeholder 2"/>
+          <p:cNvSpPr>
+            <a:spLocks noGrp="1"/>
+          </p:cNvSpPr>
+          <p:nvPr>
+            <p:ph idx="1"/>
+          </p:nvPr>
+        </p:nvSpPr>
+        <p:spPr>
+          <a:xfrm>
+            <a:off x="457200" y="2413000"/>
+            <a:ext cx="8229600" cy="3911600"/>
+          </a:xfrm>
+        </p:spPr>
+        <p:txBody>
+          <a:bodyPr>
+            <a:normAutofit lnSpcReduction="10000"/>
+          </a:bodyPr>
+          <a:lstStyle/>
+          <a:p>
+            <a:pPr marL="514350" indent="-514350">
+              <a:spcAft>
+                <a:spcPts val="2400"/>
+              </a:spcAft>
+            </a:pPr>
+            <a:r>
+              <a:rPr lang="en-US" dirty="0" smtClean="0"/>
+              <a:t>Cavity QED: </a:t>
+            </a:r>
+          </a:p>
+          <a:p>
+            <a:pPr marL="880110" lvl="1" indent="-514350">
+              <a:spcAft>
+                <a:spcPts val="2400"/>
+              </a:spcAft>
+            </a:pPr>
+            <a:r>
+              <a:rPr lang="en-US" dirty="0" smtClean="0"/>
+              <a:t>Weak coupling: atomic state modified</a:t>
+            </a:r>
+          </a:p>
+          <a:p>
+            <a:pPr marL="880110" lvl="1" indent="-514350">
+              <a:spcAft>
+                <a:spcPts val="2400"/>
+              </a:spcAft>
+            </a:pPr>
+            <a:r>
+              <a:rPr lang="en-US" dirty="0" smtClean="0"/>
+              <a:t>Strong coupling: atoms and photons entangled</a:t>
+            </a:r>
+          </a:p>
+          <a:p>
+            <a:pPr marL="514350" indent="-514350">
+              <a:spcAft>
+                <a:spcPts val="2400"/>
+              </a:spcAft>
+            </a:pPr>
+            <a:r>
+              <a:rPr lang="en-US" dirty="0" smtClean="0"/>
+              <a:t>Interface between light and atomic ensembles</a:t>
+            </a:r>
+          </a:p>
+          <a:p>
+            <a:pPr marL="880110" lvl="1" indent="-514350" algn="ctr">
+              <a:spcAft>
+                <a:spcPts val="2400"/>
+              </a:spcAft>
+              <a:buNone/>
+            </a:pPr>
+            <a:r>
+              <a:rPr lang="en-US" sz="3300" dirty="0" smtClean="0">
+                <a:solidFill>
+                  <a:srgbClr val="FF0000"/>
+                </a:solidFill>
+              </a:rPr>
+              <a:t>Cooperative effects involved !</a:t>
+            </a:r>
+          </a:p>
+          <a:p>
+            <a:pPr marL="514350" indent="-514350">
+              <a:buFont typeface="+mj-lt"/>
+              <a:buAutoNum type="arabicPeriod"/>
+            </a:pPr>
+            <a:endParaRPr lang="en-US" dirty="0"/>
+          </a:p>
+        </p:txBody>
+      </p:sp>
+    </p:spTree>
+  </p:cSld>
+  <p:clrMapOvr>
+    <a:masterClrMapping/>
+  </p:clrMapOvr>
+  <p:timing>
+    <p:tnLst>
+      <p:par>
+        <p:cTn id="1" dur="indefinite" restart="never" nodeType="tmRoot"/>
+      </p:par>
+    </p:tnLst>
+  </p:timing>
+</p:sld>
+</file>
+
+<file path=ppt/slides/slide7.xml><?xml version="1.0" encoding="utf-8"?>
+<p:sld xmlns:a="http://schemas.openxmlformats.org/drawingml/2006/main" xmlns:r="http://schemas.openxmlformats.org/officeDocument/2006/relationships" xmlns:mc="http://schemas.openxmlformats.org/markup-compatibility/2006" xmlns:mv="urn:schemas-microsoft-com:mac:vml" xmlns:p="http://schemas.openxmlformats.org/presentationml/2006/main" mc:Ignorable="mv" mc:PreserveAttributes="mv:*">
+  <p:cSld>
+    <p:spTree>
+      <p:nvGrpSpPr>
+        <p:cNvPr id="1" name=""/>
+        <p:cNvGrpSpPr/>
+        <p:nvPr/>
+      </p:nvGrpSpPr>
+      <p:grpSpPr>
+        <a:xfrm>
+          <a:off x="0" y="0"/>
+          <a:ext cx="0" cy="0"/>
+          <a:chOff x="0" y="0"/>
+          <a:chExt cx="0" cy="0"/>
+        </a:xfrm>
+      </p:grpSpPr>
+      <p:sp>
+        <p:nvSpPr>
+          <p:cNvPr id="2" name="Title 1"/>
+          <p:cNvSpPr>
+            <a:spLocks noGrp="1"/>
+          </p:cNvSpPr>
+          <p:nvPr>
+            <p:ph type="title"/>
+          </p:nvPr>
+        </p:nvSpPr>
+        <p:spPr>
+          <a:xfrm>
+            <a:off x="457200" y="930063"/>
+            <a:ext cx="8377766" cy="1005417"/>
+          </a:xfrm>
+        </p:spPr>
+        <p:txBody>
+          <a:bodyPr>
+            <a:noAutofit/>
+          </a:bodyPr>
+          <a:lstStyle/>
+          <a:p>
+            <a:r>
+              <a:rPr lang="en-US" sz="3700" dirty="0" smtClean="0">
+                <a:latin typeface="Arial Rounded MT Bold"/>
+                <a:cs typeface="Arial Rounded MT Bold"/>
+              </a:rPr>
+              <a:t>Cooperative effects in the optical 		response of a dense gas</a:t>
+            </a:r>
+            <a:endParaRPr lang="en-US" sz="3700" dirty="0">
+              <a:latin typeface="Arial Rounded MT Bold"/>
+              <a:cs typeface="Arial Rounded MT Bold"/>
+            </a:endParaRPr>
+          </a:p>
+        </p:txBody>
+      </p:sp>
+      <p:sp>
+        <p:nvSpPr>
+          <p:cNvPr id="3" name="Content Placeholder 2"/>
+          <p:cNvSpPr>
+            <a:spLocks noGrp="1"/>
+          </p:cNvSpPr>
+          <p:nvPr>
+            <p:ph idx="1"/>
+          </p:nvPr>
+        </p:nvSpPr>
+        <p:spPr>
+          <a:xfrm>
+            <a:off x="457200" y="2413000"/>
+            <a:ext cx="8229600" cy="3911600"/>
+          </a:xfrm>
+        </p:spPr>
+        <p:txBody>
+          <a:bodyPr>
+            <a:normAutofit/>
+          </a:bodyPr>
+          <a:lstStyle/>
+          <a:p>
+            <a:pPr marL="514350" indent="-514350">
+              <a:spcAft>
+                <a:spcPts val="2400"/>
+              </a:spcAft>
+            </a:pPr>
+            <a:r>
+              <a:rPr lang="en-US" dirty="0" smtClean="0"/>
+              <a:t>Challenge from the dipolar field:</a:t>
+            </a:r>
+          </a:p>
+          <a:p>
+            <a:pPr marL="880110" lvl="1" indent="-514350">
+              <a:spcAft>
+                <a:spcPts val="2400"/>
+              </a:spcAft>
+            </a:pPr>
+            <a:endParaRPr lang="en-US" dirty="0" smtClean="0"/>
+          </a:p>
+          <a:p>
+            <a:pPr marL="880110" lvl="1" indent="-514350">
+              <a:spcAft>
+                <a:spcPts val="2400"/>
+              </a:spcAft>
+            </a:pPr>
+            <a:endParaRPr lang="en-US" dirty="0" smtClean="0"/>
+          </a:p>
+          <a:p>
+            <a:pPr marL="880110" lvl="1" indent="-514350">
+              <a:spcAft>
+                <a:spcPts val="2400"/>
+              </a:spcAft>
+            </a:pPr>
+            <a:endParaRPr lang="en-US" dirty="0" smtClean="0"/>
+          </a:p>
+        </p:txBody>
+      </p:sp>
+      <p:pic>
+        <p:nvPicPr>
+          <p:cNvPr id="4" name="Picture 3" descr="05.png"/>
+          <p:cNvPicPr>
+            <a:picLocks noChangeAspect="1"/>
+          </p:cNvPicPr>
+          <p:nvPr/>
+        </p:nvPicPr>
+        <p:blipFill>
+          <a:blip r:embed="rId2"/>
+          <a:stretch>
+            <a:fillRect/>
+          </a:stretch>
+        </p:blipFill>
+        <p:spPr>
+          <a:xfrm>
+            <a:off x="505883" y="3345795"/>
+            <a:ext cx="8180917" cy="679111"/>
+          </a:xfrm>
+          <a:prstGeom prst="rect">
+            <a:avLst/>
+          </a:prstGeom>
+        </p:spPr>
+      </p:pic>
+      <p:pic>
+        <p:nvPicPr>
+          <p:cNvPr id="5" name="Picture 4" descr="06.png"/>
+          <p:cNvPicPr>
+            <a:picLocks noChangeAspect="1"/>
+          </p:cNvPicPr>
+          <p:nvPr/>
+        </p:nvPicPr>
+        <p:blipFill>
+          <a:blip r:embed="rId3"/>
+          <a:stretch>
+            <a:fillRect/>
+          </a:stretch>
+        </p:blipFill>
+        <p:spPr>
+          <a:xfrm>
+            <a:off x="2313514" y="4459798"/>
+            <a:ext cx="2978150" cy="556890"/>
+          </a:xfrm>
+          <a:prstGeom prst="rect">
+            <a:avLst/>
+          </a:prstGeom>
+        </p:spPr>
+      </p:pic>
+    </p:spTree>
+  </p:cSld>
+  <p:clrMapOvr>
+    <a:masterClrMapping/>
+  </p:clrMapOvr>
+  <p:timing>
+    <p:tnLst>
+      <p:par>
+        <p:cTn id="1" dur="indefinite" restart="never" nodeType="tmRoot"/>
+      </p:par>
+    </p:tnLst>
+  </p:timing>
+</p:sld>
+</file>
+
+<file path=ppt/slides/slide8.xml><?xml version="1.0" encoding="utf-8"?>
+<p:sld xmlns:a="http://schemas.openxmlformats.org/drawingml/2006/main" xmlns:r="http://schemas.openxmlformats.org/officeDocument/2006/relationships" xmlns:mc="http://schemas.openxmlformats.org/markup-compatibility/2006" xmlns:mv="urn:schemas-microsoft-com:mac:vml" xmlns:p="http://schemas.openxmlformats.org/presentationml/2006/main" mc:Ignorable="mv" mc:PreserveAttributes="mv:*">
+  <p:cSld>
+    <p:spTree>
+      <p:nvGrpSpPr>
+        <p:cNvPr id="1" name=""/>
+        <p:cNvGrpSpPr/>
+        <p:nvPr/>
+      </p:nvGrpSpPr>
+      <p:grpSpPr>
+        <a:xfrm>
+          <a:off x="0" y="0"/>
+          <a:ext cx="0" cy="0"/>
+          <a:chOff x="0" y="0"/>
+          <a:chExt cx="0" cy="0"/>
+        </a:xfrm>
+      </p:grpSpPr>
+      <p:sp>
+        <p:nvSpPr>
+          <p:cNvPr id="2" name="Title 1"/>
+          <p:cNvSpPr>
+            <a:spLocks noGrp="1"/>
+          </p:cNvSpPr>
+          <p:nvPr>
+            <p:ph type="title"/>
+          </p:nvPr>
+        </p:nvSpPr>
+        <p:spPr>
+          <a:xfrm>
+            <a:off x="766234" y="680717"/>
+            <a:ext cx="7531099" cy="710354"/>
+          </a:xfrm>
+        </p:spPr>
+        <p:txBody>
+          <a:bodyPr>
+            <a:noAutofit/>
+          </a:bodyPr>
+          <a:lstStyle/>
+          <a:p>
+            <a:r>
+              <a:rPr lang="en-US" sz="4100" dirty="0" smtClean="0">
+                <a:latin typeface="Arial Rounded MT Bold"/>
+                <a:cs typeface="Arial Rounded MT Bold"/>
+              </a:rPr>
+              <a:t>Approach in this dissertation:</a:t>
+            </a:r>
+            <a:endParaRPr lang="en-US" sz="4100" dirty="0">
+              <a:latin typeface="Arial Rounded MT Bold"/>
+              <a:cs typeface="Arial Rounded MT Bold"/>
+            </a:endParaRPr>
+          </a:p>
+        </p:txBody>
+      </p:sp>
+      <p:sp>
+        <p:nvSpPr>
+          <p:cNvPr id="3" name="Content Placeholder 2"/>
+          <p:cNvSpPr>
+            <a:spLocks noGrp="1"/>
+          </p:cNvSpPr>
+          <p:nvPr>
+            <p:ph idx="1"/>
+          </p:nvPr>
+        </p:nvSpPr>
+        <p:spPr>
+          <a:xfrm>
+            <a:off x="457200" y="2413000"/>
+            <a:ext cx="8229600" cy="3911600"/>
+          </a:xfrm>
+        </p:spPr>
+        <p:txBody>
+          <a:bodyPr>
+            <a:normAutofit/>
+          </a:bodyPr>
+          <a:lstStyle/>
+          <a:p>
+            <a:pPr marL="880110" lvl="1" indent="-514350">
+              <a:spcAft>
+                <a:spcPts val="2400"/>
+              </a:spcAft>
+              <a:buNone/>
+            </a:pPr>
+            <a:endParaRPr lang="en-US" dirty="0" smtClean="0"/>
+          </a:p>
+          <a:p>
+            <a:pPr marL="880110" lvl="1" indent="-514350">
+              <a:spcAft>
+                <a:spcPts val="2400"/>
+              </a:spcAft>
+            </a:pPr>
+            <a:endParaRPr lang="en-US" dirty="0" smtClean="0"/>
+          </a:p>
+          <a:p>
+            <a:pPr marL="880110" lvl="1" indent="-514350">
+              <a:spcAft>
+                <a:spcPts val="2400"/>
+              </a:spcAft>
+            </a:pPr>
+            <a:endParaRPr lang="en-US" dirty="0" smtClean="0"/>
+          </a:p>
+        </p:txBody>
+      </p:sp>
+      <p:graphicFrame>
+        <p:nvGraphicFramePr>
+          <p:cNvPr id="7" name="Diagram 6"/>
+          <p:cNvGraphicFramePr/>
+          <p:nvPr/>
+        </p:nvGraphicFramePr>
+        <p:xfrm>
+          <a:off x="1399109" y="1693336"/>
+          <a:ext cx="6432558" cy="3386663"/>
+        </p:xfrm>
+        <a:graphic>
+          <a:graphicData uri="http://schemas.openxmlformats.org/drawingml/2006/diagram">
+            <a:relIds xmlns:dgm="http://schemas.openxmlformats.org/drawingml/2006/diagram" xmlns:r="http://schemas.openxmlformats.org/officeDocument/2006/relationships" r:dm="rId2" r:lo="rId3" r:qs="rId4" r:cs="rId5"/>
+          </a:graphicData>
+        </a:graphic>
+      </p:graphicFrame>
+      <p:sp>
+        <p:nvSpPr>
+          <p:cNvPr id="9" name="TextBox 8"/>
+          <p:cNvSpPr txBox="1"/>
+          <p:nvPr/>
+        </p:nvSpPr>
+        <p:spPr>
+          <a:xfrm>
+            <a:off x="798214" y="5520723"/>
+            <a:ext cx="7712731" cy="430887"/>
+          </a:xfrm>
+          <a:prstGeom prst="rect">
+            <a:avLst/>
+          </a:prstGeom>
+          <a:noFill/>
+        </p:spPr>
+        <p:txBody>
+          <a:bodyPr wrap="none" rtlCol="0">
+            <a:spAutoFit/>
+          </a:bodyPr>
+          <a:lstStyle/>
+          <a:p>
+            <a:r>
+              <a:rPr lang="en-US" sz="2200" dirty="0" smtClean="0"/>
+              <a:t>Photon recoil and saturation of the atoms may be neglected.</a:t>
+            </a:r>
+            <a:endParaRPr lang="en-US" sz="2200" dirty="0"/>
+          </a:p>
+        </p:txBody>
+      </p:sp>
+    </p:spTree>
+  </p:cSld>
+  <p:clrMapOvr>
+    <a:masterClrMapping/>
+  </p:clrMapOvr>
+  <p:timing>
+    <p:tnLst>
+      <p:par>
+        <p:cTn id="1" dur="indefinite" restart="never" nodeType="tmRoot"/>
+      </p:par>
+    </p:tnLst>
+  </p:timing>
 </p:sld>
 </file>
 
@@ -4802,4 +8483,322 @@
   </a:objectDefaults>
   <a:extraClrSchemeLst/>
 </a:theme>
+</file>
+
+<file path=ppt/theme/theme2.xml><?xml version="1.0" encoding="utf-8"?>
+<a:theme xmlns:a="http://schemas.openxmlformats.org/drawingml/2006/main" name="Office Theme">
+  <a:themeElements>
+    <a:clrScheme name="Office">
+      <a:dk1>
+        <a:sysClr val="windowText" lastClr="000000"/>
+      </a:dk1>
+      <a:lt1>
+        <a:sysClr val="window" lastClr="FFFFFF"/>
+      </a:lt1>
+      <a:dk2>
+        <a:srgbClr val="1F497D"/>
+      </a:dk2>
+      <a:lt2>
+        <a:srgbClr val="EEECE1"/>
+      </a:lt2>
+      <a:accent1>
+        <a:srgbClr val="4F81BD"/>
+      </a:accent1>
+      <a:accent2>
+        <a:srgbClr val="C0504D"/>
+      </a:accent2>
+      <a:accent3>
+        <a:srgbClr val="9BBB59"/>
+      </a:accent3>
+      <a:accent4>
+        <a:srgbClr val="8064A2"/>
+      </a:accent4>
+      <a:accent5>
+        <a:srgbClr val="4BACC6"/>
+      </a:accent5>
+      <a:accent6>
+        <a:srgbClr val="F79646"/>
+      </a:accent6>
+      <a:hlink>
+        <a:srgbClr val="0000FF"/>
+      </a:hlink>
+      <a:folHlink>
+        <a:srgbClr val="800080"/>
+      </a:folHlink>
+    </a:clrScheme>
+    <a:fontScheme name="Office">
+      <a:majorFont>
+        <a:latin typeface="Calibri"/>
+        <a:ea typeface=""/>
+        <a:cs typeface=""/>
+        <a:font script="Jpan" typeface="ＭＳ Ｐゴシック"/>
+        <a:font script="Hang" typeface="맑은 고딕"/>
+        <a:font script="Hans" typeface="宋体"/>
+        <a:font script="Hant" typeface="新細明體"/>
+        <a:font script="Arab" typeface="Times New Roman"/>
+        <a:font script="Hebr" typeface="Times New Roman"/>
+        <a:font script="Thai" typeface="Angsana New"/>
+        <a:font script="Ethi" typeface="Nyala"/>
+        <a:font script="Beng" typeface="Vrinda"/>
+        <a:font script="Gujr" typeface="Shruti"/>
+        <a:font script="Khmr" typeface="MoolBoran"/>
+        <a:font script="Knda" typeface="Tunga"/>
+        <a:font script="Guru" typeface="Raavi"/>
+        <a:font script="Cans" typeface="Euphemia"/>
+        <a:font script="Cher" typeface="Plantagenet Cherokee"/>
+        <a:font script="Yiii" typeface="Microsoft Yi Baiti"/>
+        <a:font script="Tibt" typeface="Microsoft Himalaya"/>
+        <a:font script="Thaa" typeface="MV Boli"/>
+        <a:font script="Deva" typeface="Mangal"/>
+        <a:font script="Telu" typeface="Gautami"/>
+        <a:font script="Taml" typeface="Latha"/>
+        <a:font script="Syrc" typeface="Estrangelo Edessa"/>
+        <a:font script="Orya" typeface="Kalinga"/>
+        <a:font script="Mlym" typeface="Kartika"/>
+        <a:font script="Laoo" typeface="DokChampa"/>
+        <a:font script="Sinh" typeface="Iskoola Pota"/>
+        <a:font script="Mong" typeface="Mongolian Baiti"/>
+        <a:font script="Viet" typeface="Times New Roman"/>
+        <a:font script="Uigh" typeface="Microsoft Uighur"/>
+      </a:majorFont>
+      <a:minorFont>
+        <a:latin typeface="Calibri"/>
+        <a:ea typeface=""/>
+        <a:cs typeface=""/>
+        <a:font script="Jpan" typeface="ＭＳ Ｐゴシック"/>
+        <a:font script="Hang" typeface="맑은 고딕"/>
+        <a:font script="Hans" typeface="宋体"/>
+        <a:font script="Hant" typeface="新細明體"/>
+        <a:font script="Arab" typeface="Arial"/>
+        <a:font script="Hebr" typeface="Arial"/>
+        <a:font script="Thai" typeface="Cordia New"/>
+        <a:font script="Ethi" typeface="Nyala"/>
+        <a:font script="Beng" typeface="Vrinda"/>
+        <a:font script="Gujr" typeface="Shruti"/>
+        <a:font script="Khmr" typeface="DaunPenh"/>
+        <a:font script="Knda" typeface="Tunga"/>
+        <a:font script="Guru" typeface="Raavi"/>
+        <a:font script="Cans" typeface="Euphemia"/>
+        <a:font script="Cher" typeface="Plantagenet Cherokee"/>
+        <a:font script="Yiii" typeface="Microsoft Yi Baiti"/>
+        <a:font script="Tibt" typeface="Microsoft Himalaya"/>
+        <a:font script="Thaa" typeface="MV Boli"/>
+        <a:font script="Deva" typeface="Mangal"/>
+        <a:font script="Telu" typeface="Gautami"/>
+        <a:font script="Taml" typeface="Latha"/>
+        <a:font script="Syrc" typeface="Estrangelo Edessa"/>
+        <a:font script="Orya" typeface="Kalinga"/>
+        <a:font script="Mlym" typeface="Kartika"/>
+        <a:font script="Laoo" typeface="DokChampa"/>
+        <a:font script="Sinh" typeface="Iskoola Pota"/>
+        <a:font script="Mong" typeface="Mongolian Baiti"/>
+        <a:font script="Viet" typeface="Arial"/>
+        <a:font script="Uigh" typeface="Microsoft Uighur"/>
+      </a:minorFont>
+    </a:fontScheme>
+    <a:fmtScheme name="Office">
+      <a:fillStyleLst>
+        <a:solidFill>
+          <a:schemeClr val="phClr"/>
+        </a:solidFill>
+        <a:gradFill rotWithShape="1">
+          <a:gsLst>
+            <a:gs pos="0">
+              <a:schemeClr val="phClr">
+                <a:tint val="50000"/>
+                <a:satMod val="300000"/>
+              </a:schemeClr>
+            </a:gs>
+            <a:gs pos="35000">
+              <a:schemeClr val="phClr">
+                <a:tint val="37000"/>
+                <a:satMod val="300000"/>
+              </a:schemeClr>
+            </a:gs>
+            <a:gs pos="100000">
+              <a:schemeClr val="phClr">
+                <a:tint val="15000"/>
+                <a:satMod val="350000"/>
+              </a:schemeClr>
+            </a:gs>
+          </a:gsLst>
+          <a:lin ang="16200000" scaled="1"/>
+        </a:gradFill>
+        <a:gradFill rotWithShape="1">
+          <a:gsLst>
+            <a:gs pos="0">
+              <a:schemeClr val="phClr">
+                <a:tint val="100000"/>
+                <a:shade val="100000"/>
+                <a:satMod val="130000"/>
+              </a:schemeClr>
+            </a:gs>
+            <a:gs pos="100000">
+              <a:schemeClr val="phClr">
+                <a:tint val="50000"/>
+                <a:shade val="100000"/>
+                <a:satMod val="350000"/>
+              </a:schemeClr>
+            </a:gs>
+          </a:gsLst>
+          <a:lin ang="16200000" scaled="0"/>
+        </a:gradFill>
+      </a:fillStyleLst>
+      <a:lnStyleLst>
+        <a:ln w="9525" cap="flat" cmpd="sng" algn="ctr">
+          <a:solidFill>
+            <a:schemeClr val="phClr">
+              <a:shade val="95000"/>
+              <a:satMod val="105000"/>
+            </a:schemeClr>
+          </a:solidFill>
+          <a:prstDash val="solid"/>
+        </a:ln>
+        <a:ln w="25400" cap="flat" cmpd="sng" algn="ctr">
+          <a:solidFill>
+            <a:schemeClr val="phClr"/>
+          </a:solidFill>
+          <a:prstDash val="solid"/>
+        </a:ln>
+        <a:ln w="38100" cap="flat" cmpd="sng" algn="ctr">
+          <a:solidFill>
+            <a:schemeClr val="phClr"/>
+          </a:solidFill>
+          <a:prstDash val="solid"/>
+        </a:ln>
+      </a:lnStyleLst>
+      <a:effectStyleLst>
+        <a:effectStyle>
+          <a:effectLst>
+            <a:outerShdw blurRad="40000" dist="20000" dir="5400000" rotWithShape="0">
+              <a:srgbClr val="000000">
+                <a:alpha val="38000"/>
+              </a:srgbClr>
+            </a:outerShdw>
+          </a:effectLst>
+        </a:effectStyle>
+        <a:effectStyle>
+          <a:effectLst>
+            <a:outerShdw blurRad="40000" dist="23000" dir="5400000" rotWithShape="0">
+              <a:srgbClr val="000000">
+                <a:alpha val="35000"/>
+              </a:srgbClr>
+            </a:outerShdw>
+          </a:effectLst>
+        </a:effectStyle>
+        <a:effectStyle>
+          <a:effectLst>
+            <a:outerShdw blurRad="40000" dist="23000" dir="5400000" rotWithShape="0">
+              <a:srgbClr val="000000">
+                <a:alpha val="35000"/>
+              </a:srgbClr>
+            </a:outerShdw>
+          </a:effectLst>
+          <a:scene3d>
+            <a:camera prst="orthographicFront">
+              <a:rot lat="0" lon="0" rev="0"/>
+            </a:camera>
+            <a:lightRig rig="threePt" dir="t">
+              <a:rot lat="0" lon="0" rev="1200000"/>
+            </a:lightRig>
+          </a:scene3d>
+          <a:sp3d>
+            <a:bevelT w="63500" h="25400"/>
+          </a:sp3d>
+        </a:effectStyle>
+      </a:effectStyleLst>
+      <a:bgFillStyleLst>
+        <a:solidFill>
+          <a:schemeClr val="phClr"/>
+        </a:solidFill>
+        <a:gradFill rotWithShape="1">
+          <a:gsLst>
+            <a:gs pos="0">
+              <a:schemeClr val="phClr">
+                <a:tint val="40000"/>
+                <a:satMod val="350000"/>
+              </a:schemeClr>
+            </a:gs>
+            <a:gs pos="40000">
+              <a:schemeClr val="phClr">
+                <a:tint val="45000"/>
+                <a:shade val="99000"/>
+                <a:satMod val="350000"/>
+              </a:schemeClr>
+            </a:gs>
+            <a:gs pos="100000">
+              <a:schemeClr val="phClr">
+                <a:shade val="20000"/>
+                <a:satMod val="255000"/>
+              </a:schemeClr>
+            </a:gs>
+          </a:gsLst>
+          <a:path path="circle">
+            <a:fillToRect l="50000" t="-80000" r="50000" b="180000"/>
+          </a:path>
+        </a:gradFill>
+        <a:gradFill rotWithShape="1">
+          <a:gsLst>
+            <a:gs pos="0">
+              <a:schemeClr val="phClr">
+                <a:tint val="80000"/>
+                <a:satMod val="300000"/>
+              </a:schemeClr>
+            </a:gs>
+            <a:gs pos="100000">
+              <a:schemeClr val="phClr">
+                <a:shade val="30000"/>
+                <a:satMod val="200000"/>
+              </a:schemeClr>
+            </a:gs>
+          </a:gsLst>
+          <a:path path="circle">
+            <a:fillToRect l="50000" t="50000" r="50000" b="50000"/>
+          </a:path>
+        </a:gradFill>
+      </a:bgFillStyleLst>
+    </a:fmtScheme>
+  </a:themeElements>
+  <a:objectDefaults>
+    <a:spDef>
+      <a:spPr/>
+      <a:bodyPr/>
+      <a:lstStyle/>
+      <a:style>
+        <a:lnRef idx="1">
+          <a:schemeClr val="accent1"/>
+        </a:lnRef>
+        <a:fillRef idx="3">
+          <a:schemeClr val="accent1"/>
+        </a:fillRef>
+        <a:effectRef idx="2">
+          <a:schemeClr val="accent1"/>
+        </a:effectRef>
+        <a:fontRef idx="minor">
+          <a:schemeClr val="lt1"/>
+        </a:fontRef>
+      </a:style>
+    </a:spDef>
+    <a:lnDef>
+      <a:spPr/>
+      <a:bodyPr/>
+      <a:lstStyle/>
+      <a:style>
+        <a:lnRef idx="2">
+          <a:schemeClr val="accent1"/>
+        </a:lnRef>
+        <a:fillRef idx="0">
+          <a:schemeClr val="accent1"/>
+        </a:fillRef>
+        <a:effectRef idx="1">
+          <a:schemeClr val="accent1"/>
+        </a:effectRef>
+        <a:fontRef idx="minor">
+          <a:schemeClr val="tx1"/>
+        </a:fontRef>
+      </a:style>
+    </a:lnDef>
+  </a:objectDefaults>
+  <a:extraClrSchemeLst/>
+</a:theme>
 </file>